--- a/UNIDAD02_VARIABLES_ALEATORIAS/03_U02_Variables_Aleatorias.pptx
+++ b/UNIDAD02_VARIABLES_ALEATORIAS/03_U02_Variables_Aleatorias.pptx
@@ -30,6 +30,13 @@
     <p:sldId id="274" r:id="rId25"/>
     <p:sldId id="275" r:id="rId26"/>
     <p:sldId id="276" r:id="rId27"/>
+    <p:sldId id="277" r:id="rId28"/>
+    <p:sldId id="278" r:id="rId29"/>
+    <p:sldId id="279" r:id="rId30"/>
+    <p:sldId id="280" r:id="rId31"/>
+    <p:sldId id="281" r:id="rId32"/>
+    <p:sldId id="282" r:id="rId33"/>
+    <p:sldId id="283" r:id="rId34"/>
   </p:sldIdLst>
   <p:sldSz cx="10080625" cy="5670550"/>
   <p:notesSz cx="7772400" cy="10058400"/>
@@ -87,8 +94,8 @@
         </p:nvSpPr>
         <p:spPr>
           <a:xfrm>
-            <a:off x="503640" y="225720"/>
-            <a:ext cx="9071280" cy="946440"/>
+            <a:off x="504000" y="226080"/>
+            <a:ext cx="9072000" cy="946440"/>
           </a:xfrm>
           <a:prstGeom prst="rect">
             <a:avLst/>
@@ -118,8 +125,8 @@
         </p:nvSpPr>
         <p:spPr>
           <a:xfrm>
-            <a:off x="503640" y="1326240"/>
-            <a:ext cx="9071280" cy="1568160"/>
+            <a:off x="504000" y="1326600"/>
+            <a:ext cx="9072000" cy="1568520"/>
           </a:xfrm>
           <a:prstGeom prst="rect">
             <a:avLst/>
@@ -148,8 +155,8 @@
         </p:nvSpPr>
         <p:spPr>
           <a:xfrm>
-            <a:off x="503640" y="3043800"/>
-            <a:ext cx="9071280" cy="1568160"/>
+            <a:off x="504000" y="3044520"/>
+            <a:ext cx="9072000" cy="1568520"/>
           </a:xfrm>
           <a:prstGeom prst="rect">
             <a:avLst/>
@@ -200,8 +207,8 @@
         </p:nvSpPr>
         <p:spPr>
           <a:xfrm>
-            <a:off x="503640" y="225720"/>
-            <a:ext cx="9071280" cy="946440"/>
+            <a:off x="504000" y="226080"/>
+            <a:ext cx="9072000" cy="946440"/>
           </a:xfrm>
           <a:prstGeom prst="rect">
             <a:avLst/>
@@ -231,8 +238,8 @@
         </p:nvSpPr>
         <p:spPr>
           <a:xfrm>
-            <a:off x="503640" y="1326240"/>
-            <a:ext cx="4426560" cy="1568160"/>
+            <a:off x="504000" y="1326600"/>
+            <a:ext cx="4426920" cy="1568520"/>
           </a:xfrm>
           <a:prstGeom prst="rect">
             <a:avLst/>
@@ -261,8 +268,8 @@
         </p:nvSpPr>
         <p:spPr>
           <a:xfrm>
-            <a:off x="5151960" y="1326240"/>
-            <a:ext cx="4426560" cy="1568160"/>
+            <a:off x="5152680" y="1326600"/>
+            <a:ext cx="4426920" cy="1568520"/>
           </a:xfrm>
           <a:prstGeom prst="rect">
             <a:avLst/>
@@ -291,8 +298,8 @@
         </p:nvSpPr>
         <p:spPr>
           <a:xfrm>
-            <a:off x="503640" y="3043800"/>
-            <a:ext cx="4426560" cy="1568160"/>
+            <a:off x="504000" y="3044520"/>
+            <a:ext cx="4426920" cy="1568520"/>
           </a:xfrm>
           <a:prstGeom prst="rect">
             <a:avLst/>
@@ -321,8 +328,8 @@
         </p:nvSpPr>
         <p:spPr>
           <a:xfrm>
-            <a:off x="5151960" y="3043800"/>
-            <a:ext cx="4426560" cy="1568160"/>
+            <a:off x="5152680" y="3044520"/>
+            <a:ext cx="4426920" cy="1568520"/>
           </a:xfrm>
           <a:prstGeom prst="rect">
             <a:avLst/>
@@ -373,8 +380,8 @@
         </p:nvSpPr>
         <p:spPr>
           <a:xfrm>
-            <a:off x="503640" y="225720"/>
-            <a:ext cx="9071280" cy="946440"/>
+            <a:off x="504000" y="226080"/>
+            <a:ext cx="9072000" cy="946440"/>
           </a:xfrm>
           <a:prstGeom prst="rect">
             <a:avLst/>
@@ -404,8 +411,8 @@
         </p:nvSpPr>
         <p:spPr>
           <a:xfrm>
-            <a:off x="503640" y="1326240"/>
-            <a:ext cx="2920680" cy="1568160"/>
+            <a:off x="504000" y="1326600"/>
+            <a:ext cx="2921040" cy="1568520"/>
           </a:xfrm>
           <a:prstGeom prst="rect">
             <a:avLst/>
@@ -434,8 +441,8 @@
         </p:nvSpPr>
         <p:spPr>
           <a:xfrm>
-            <a:off x="3570840" y="1326240"/>
-            <a:ext cx="2920680" cy="1568160"/>
+            <a:off x="3571560" y="1326600"/>
+            <a:ext cx="2921040" cy="1568520"/>
           </a:xfrm>
           <a:prstGeom prst="rect">
             <a:avLst/>
@@ -464,8 +471,8 @@
         </p:nvSpPr>
         <p:spPr>
           <a:xfrm>
-            <a:off x="6637680" y="1326240"/>
-            <a:ext cx="2920680" cy="1568160"/>
+            <a:off x="6639120" y="1326600"/>
+            <a:ext cx="2921040" cy="1568520"/>
           </a:xfrm>
           <a:prstGeom prst="rect">
             <a:avLst/>
@@ -494,8 +501,8 @@
         </p:nvSpPr>
         <p:spPr>
           <a:xfrm>
-            <a:off x="503640" y="3043800"/>
-            <a:ext cx="2920680" cy="1568160"/>
+            <a:off x="504000" y="3044520"/>
+            <a:ext cx="2921040" cy="1568520"/>
           </a:xfrm>
           <a:prstGeom prst="rect">
             <a:avLst/>
@@ -524,8 +531,8 @@
         </p:nvSpPr>
         <p:spPr>
           <a:xfrm>
-            <a:off x="3570840" y="3043800"/>
-            <a:ext cx="2920680" cy="1568160"/>
+            <a:off x="3571560" y="3044520"/>
+            <a:ext cx="2921040" cy="1568520"/>
           </a:xfrm>
           <a:prstGeom prst="rect">
             <a:avLst/>
@@ -554,8 +561,8 @@
         </p:nvSpPr>
         <p:spPr>
           <a:xfrm>
-            <a:off x="6637680" y="3043800"/>
-            <a:ext cx="2920680" cy="1568160"/>
+            <a:off x="6639120" y="3044520"/>
+            <a:ext cx="2921040" cy="1568520"/>
           </a:xfrm>
           <a:prstGeom prst="rect">
             <a:avLst/>
@@ -628,8 +635,8 @@
         </p:nvSpPr>
         <p:spPr>
           <a:xfrm>
-            <a:off x="503640" y="225720"/>
-            <a:ext cx="9071280" cy="946440"/>
+            <a:off x="504000" y="226080"/>
+            <a:ext cx="9072000" cy="946440"/>
           </a:xfrm>
           <a:prstGeom prst="rect">
             <a:avLst/>
@@ -659,8 +666,8 @@
         </p:nvSpPr>
         <p:spPr>
           <a:xfrm>
-            <a:off x="503640" y="1326240"/>
-            <a:ext cx="9071280" cy="3288240"/>
+            <a:off x="504000" y="1326600"/>
+            <a:ext cx="9072000" cy="3288600"/>
           </a:xfrm>
           <a:prstGeom prst="rect">
             <a:avLst/>
@@ -712,8 +719,8 @@
         </p:nvSpPr>
         <p:spPr>
           <a:xfrm>
-            <a:off x="503640" y="225720"/>
-            <a:ext cx="9071280" cy="946440"/>
+            <a:off x="504000" y="226080"/>
+            <a:ext cx="9072000" cy="946440"/>
           </a:xfrm>
           <a:prstGeom prst="rect">
             <a:avLst/>
@@ -743,8 +750,8 @@
         </p:nvSpPr>
         <p:spPr>
           <a:xfrm>
-            <a:off x="503640" y="1326240"/>
-            <a:ext cx="9071280" cy="3288240"/>
+            <a:off x="504000" y="1326600"/>
+            <a:ext cx="9072000" cy="3288600"/>
           </a:xfrm>
           <a:prstGeom prst="rect">
             <a:avLst/>
@@ -795,8 +802,8 @@
         </p:nvSpPr>
         <p:spPr>
           <a:xfrm>
-            <a:off x="503640" y="225720"/>
-            <a:ext cx="9071280" cy="946440"/>
+            <a:off x="504000" y="226080"/>
+            <a:ext cx="9072000" cy="946440"/>
           </a:xfrm>
           <a:prstGeom prst="rect">
             <a:avLst/>
@@ -826,8 +833,8 @@
         </p:nvSpPr>
         <p:spPr>
           <a:xfrm>
-            <a:off x="503640" y="1326240"/>
-            <a:ext cx="4426560" cy="3288240"/>
+            <a:off x="504000" y="1326600"/>
+            <a:ext cx="4426920" cy="3288600"/>
           </a:xfrm>
           <a:prstGeom prst="rect">
             <a:avLst/>
@@ -856,8 +863,8 @@
         </p:nvSpPr>
         <p:spPr>
           <a:xfrm>
-            <a:off x="5151960" y="1326240"/>
-            <a:ext cx="4426560" cy="3288240"/>
+            <a:off x="5152680" y="1326600"/>
+            <a:ext cx="4426920" cy="3288600"/>
           </a:xfrm>
           <a:prstGeom prst="rect">
             <a:avLst/>
@@ -908,8 +915,8 @@
         </p:nvSpPr>
         <p:spPr>
           <a:xfrm>
-            <a:off x="503640" y="225720"/>
-            <a:ext cx="9071280" cy="946440"/>
+            <a:off x="504000" y="226080"/>
+            <a:ext cx="9072000" cy="946440"/>
           </a:xfrm>
           <a:prstGeom prst="rect">
             <a:avLst/>
@@ -961,8 +968,8 @@
         </p:nvSpPr>
         <p:spPr>
           <a:xfrm>
-            <a:off x="503640" y="225720"/>
-            <a:ext cx="9071280" cy="4388400"/>
+            <a:off x="504000" y="226080"/>
+            <a:ext cx="9072000" cy="4388400"/>
           </a:xfrm>
           <a:prstGeom prst="rect">
             <a:avLst/>
@@ -1014,8 +1021,8 @@
         </p:nvSpPr>
         <p:spPr>
           <a:xfrm>
-            <a:off x="503640" y="225720"/>
-            <a:ext cx="9071280" cy="946440"/>
+            <a:off x="504000" y="226080"/>
+            <a:ext cx="9072000" cy="946440"/>
           </a:xfrm>
           <a:prstGeom prst="rect">
             <a:avLst/>
@@ -1045,8 +1052,8 @@
         </p:nvSpPr>
         <p:spPr>
           <a:xfrm>
-            <a:off x="503640" y="1326240"/>
-            <a:ext cx="4426560" cy="1568160"/>
+            <a:off x="504000" y="1326600"/>
+            <a:ext cx="4426920" cy="1568520"/>
           </a:xfrm>
           <a:prstGeom prst="rect">
             <a:avLst/>
@@ -1075,8 +1082,8 @@
         </p:nvSpPr>
         <p:spPr>
           <a:xfrm>
-            <a:off x="5151960" y="1326240"/>
-            <a:ext cx="4426560" cy="3288240"/>
+            <a:off x="5152680" y="1326600"/>
+            <a:ext cx="4426920" cy="3288600"/>
           </a:xfrm>
           <a:prstGeom prst="rect">
             <a:avLst/>
@@ -1105,8 +1112,8 @@
         </p:nvSpPr>
         <p:spPr>
           <a:xfrm>
-            <a:off x="503640" y="3043800"/>
-            <a:ext cx="4426560" cy="1568160"/>
+            <a:off x="504000" y="3044520"/>
+            <a:ext cx="4426920" cy="1568520"/>
           </a:xfrm>
           <a:prstGeom prst="rect">
             <a:avLst/>
@@ -1157,8 +1164,8 @@
         </p:nvSpPr>
         <p:spPr>
           <a:xfrm>
-            <a:off x="503640" y="225720"/>
-            <a:ext cx="9071280" cy="946440"/>
+            <a:off x="504000" y="226080"/>
+            <a:ext cx="9072000" cy="946440"/>
           </a:xfrm>
           <a:prstGeom prst="rect">
             <a:avLst/>
@@ -1188,8 +1195,8 @@
         </p:nvSpPr>
         <p:spPr>
           <a:xfrm>
-            <a:off x="503640" y="1326240"/>
-            <a:ext cx="9071280" cy="3288240"/>
+            <a:off x="504000" y="1326600"/>
+            <a:ext cx="9072000" cy="3288600"/>
           </a:xfrm>
           <a:prstGeom prst="rect">
             <a:avLst/>
@@ -1241,8 +1248,8 @@
         </p:nvSpPr>
         <p:spPr>
           <a:xfrm>
-            <a:off x="503640" y="225720"/>
-            <a:ext cx="9071280" cy="946440"/>
+            <a:off x="504000" y="226080"/>
+            <a:ext cx="9072000" cy="946440"/>
           </a:xfrm>
           <a:prstGeom prst="rect">
             <a:avLst/>
@@ -1272,8 +1279,8 @@
         </p:nvSpPr>
         <p:spPr>
           <a:xfrm>
-            <a:off x="503640" y="1326240"/>
-            <a:ext cx="4426560" cy="3288240"/>
+            <a:off x="504000" y="1326600"/>
+            <a:ext cx="4426920" cy="3288600"/>
           </a:xfrm>
           <a:prstGeom prst="rect">
             <a:avLst/>
@@ -1302,8 +1309,8 @@
         </p:nvSpPr>
         <p:spPr>
           <a:xfrm>
-            <a:off x="5151960" y="1326240"/>
-            <a:ext cx="4426560" cy="1568160"/>
+            <a:off x="5152680" y="1326600"/>
+            <a:ext cx="4426920" cy="1568520"/>
           </a:xfrm>
           <a:prstGeom prst="rect">
             <a:avLst/>
@@ -1332,8 +1339,8 @@
         </p:nvSpPr>
         <p:spPr>
           <a:xfrm>
-            <a:off x="5151960" y="3043800"/>
-            <a:ext cx="4426560" cy="1568160"/>
+            <a:off x="5152680" y="3044520"/>
+            <a:ext cx="4426920" cy="1568520"/>
           </a:xfrm>
           <a:prstGeom prst="rect">
             <a:avLst/>
@@ -1384,8 +1391,8 @@
         </p:nvSpPr>
         <p:spPr>
           <a:xfrm>
-            <a:off x="503640" y="225720"/>
-            <a:ext cx="9071280" cy="946440"/>
+            <a:off x="504000" y="226080"/>
+            <a:ext cx="9072000" cy="946440"/>
           </a:xfrm>
           <a:prstGeom prst="rect">
             <a:avLst/>
@@ -1415,8 +1422,8 @@
         </p:nvSpPr>
         <p:spPr>
           <a:xfrm>
-            <a:off x="503640" y="1326240"/>
-            <a:ext cx="4426560" cy="1568160"/>
+            <a:off x="504000" y="1326600"/>
+            <a:ext cx="4426920" cy="1568520"/>
           </a:xfrm>
           <a:prstGeom prst="rect">
             <a:avLst/>
@@ -1445,8 +1452,8 @@
         </p:nvSpPr>
         <p:spPr>
           <a:xfrm>
-            <a:off x="5151960" y="1326240"/>
-            <a:ext cx="4426560" cy="1568160"/>
+            <a:off x="5152680" y="1326600"/>
+            <a:ext cx="4426920" cy="1568520"/>
           </a:xfrm>
           <a:prstGeom prst="rect">
             <a:avLst/>
@@ -1475,8 +1482,8 @@
         </p:nvSpPr>
         <p:spPr>
           <a:xfrm>
-            <a:off x="503640" y="3043800"/>
-            <a:ext cx="9071280" cy="1568160"/>
+            <a:off x="504000" y="3044520"/>
+            <a:ext cx="9072000" cy="1568520"/>
           </a:xfrm>
           <a:prstGeom prst="rect">
             <a:avLst/>
@@ -1527,8 +1534,8 @@
         </p:nvSpPr>
         <p:spPr>
           <a:xfrm>
-            <a:off x="503640" y="225720"/>
-            <a:ext cx="9071280" cy="946440"/>
+            <a:off x="504000" y="226080"/>
+            <a:ext cx="9072000" cy="946440"/>
           </a:xfrm>
           <a:prstGeom prst="rect">
             <a:avLst/>
@@ -1558,8 +1565,8 @@
         </p:nvSpPr>
         <p:spPr>
           <a:xfrm>
-            <a:off x="503640" y="1326240"/>
-            <a:ext cx="9071280" cy="1568160"/>
+            <a:off x="504000" y="1326600"/>
+            <a:ext cx="9072000" cy="1568520"/>
           </a:xfrm>
           <a:prstGeom prst="rect">
             <a:avLst/>
@@ -1588,8 +1595,8 @@
         </p:nvSpPr>
         <p:spPr>
           <a:xfrm>
-            <a:off x="503640" y="3043800"/>
-            <a:ext cx="9071280" cy="1568160"/>
+            <a:off x="504000" y="3044520"/>
+            <a:ext cx="9072000" cy="1568520"/>
           </a:xfrm>
           <a:prstGeom prst="rect">
             <a:avLst/>
@@ -1640,8 +1647,8 @@
         </p:nvSpPr>
         <p:spPr>
           <a:xfrm>
-            <a:off x="503640" y="225720"/>
-            <a:ext cx="9071280" cy="946440"/>
+            <a:off x="504000" y="226080"/>
+            <a:ext cx="9072000" cy="946440"/>
           </a:xfrm>
           <a:prstGeom prst="rect">
             <a:avLst/>
@@ -1671,8 +1678,8 @@
         </p:nvSpPr>
         <p:spPr>
           <a:xfrm>
-            <a:off x="503640" y="1326240"/>
-            <a:ext cx="4426560" cy="1568160"/>
+            <a:off x="504000" y="1326600"/>
+            <a:ext cx="4426920" cy="1568520"/>
           </a:xfrm>
           <a:prstGeom prst="rect">
             <a:avLst/>
@@ -1701,8 +1708,8 @@
         </p:nvSpPr>
         <p:spPr>
           <a:xfrm>
-            <a:off x="5151960" y="1326240"/>
-            <a:ext cx="4426560" cy="1568160"/>
+            <a:off x="5152680" y="1326600"/>
+            <a:ext cx="4426920" cy="1568520"/>
           </a:xfrm>
           <a:prstGeom prst="rect">
             <a:avLst/>
@@ -1731,8 +1738,8 @@
         </p:nvSpPr>
         <p:spPr>
           <a:xfrm>
-            <a:off x="503640" y="3043800"/>
-            <a:ext cx="4426560" cy="1568160"/>
+            <a:off x="504000" y="3044520"/>
+            <a:ext cx="4426920" cy="1568520"/>
           </a:xfrm>
           <a:prstGeom prst="rect">
             <a:avLst/>
@@ -1761,8 +1768,8 @@
         </p:nvSpPr>
         <p:spPr>
           <a:xfrm>
-            <a:off x="5151960" y="3043800"/>
-            <a:ext cx="4426560" cy="1568160"/>
+            <a:off x="5152680" y="3044520"/>
+            <a:ext cx="4426920" cy="1568520"/>
           </a:xfrm>
           <a:prstGeom prst="rect">
             <a:avLst/>
@@ -1813,8 +1820,8 @@
         </p:nvSpPr>
         <p:spPr>
           <a:xfrm>
-            <a:off x="503640" y="225720"/>
-            <a:ext cx="9071280" cy="946440"/>
+            <a:off x="504000" y="226080"/>
+            <a:ext cx="9072000" cy="946440"/>
           </a:xfrm>
           <a:prstGeom prst="rect">
             <a:avLst/>
@@ -1844,8 +1851,8 @@
         </p:nvSpPr>
         <p:spPr>
           <a:xfrm>
-            <a:off x="503640" y="1326240"/>
-            <a:ext cx="2920680" cy="1568160"/>
+            <a:off x="504000" y="1326600"/>
+            <a:ext cx="2921040" cy="1568520"/>
           </a:xfrm>
           <a:prstGeom prst="rect">
             <a:avLst/>
@@ -1874,8 +1881,8 @@
         </p:nvSpPr>
         <p:spPr>
           <a:xfrm>
-            <a:off x="3570840" y="1326240"/>
-            <a:ext cx="2920680" cy="1568160"/>
+            <a:off x="3571560" y="1326600"/>
+            <a:ext cx="2921040" cy="1568520"/>
           </a:xfrm>
           <a:prstGeom prst="rect">
             <a:avLst/>
@@ -1904,8 +1911,8 @@
         </p:nvSpPr>
         <p:spPr>
           <a:xfrm>
-            <a:off x="6637680" y="1326240"/>
-            <a:ext cx="2920680" cy="1568160"/>
+            <a:off x="6639120" y="1326600"/>
+            <a:ext cx="2921040" cy="1568520"/>
           </a:xfrm>
           <a:prstGeom prst="rect">
             <a:avLst/>
@@ -1934,8 +1941,8 @@
         </p:nvSpPr>
         <p:spPr>
           <a:xfrm>
-            <a:off x="503640" y="3043800"/>
-            <a:ext cx="2920680" cy="1568160"/>
+            <a:off x="504000" y="3044520"/>
+            <a:ext cx="2921040" cy="1568520"/>
           </a:xfrm>
           <a:prstGeom prst="rect">
             <a:avLst/>
@@ -1964,8 +1971,8 @@
         </p:nvSpPr>
         <p:spPr>
           <a:xfrm>
-            <a:off x="3570840" y="3043800"/>
-            <a:ext cx="2920680" cy="1568160"/>
+            <a:off x="3571560" y="3044520"/>
+            <a:ext cx="2921040" cy="1568520"/>
           </a:xfrm>
           <a:prstGeom prst="rect">
             <a:avLst/>
@@ -1994,8 +2001,8 @@
         </p:nvSpPr>
         <p:spPr>
           <a:xfrm>
-            <a:off x="6637680" y="3043800"/>
-            <a:ext cx="2920680" cy="1568160"/>
+            <a:off x="6639120" y="3044520"/>
+            <a:ext cx="2921040" cy="1568520"/>
           </a:xfrm>
           <a:prstGeom prst="rect">
             <a:avLst/>
@@ -2068,8 +2075,8 @@
         </p:nvSpPr>
         <p:spPr>
           <a:xfrm>
-            <a:off x="503640" y="225720"/>
-            <a:ext cx="9071280" cy="946440"/>
+            <a:off x="504000" y="226080"/>
+            <a:ext cx="9072000" cy="946440"/>
           </a:xfrm>
           <a:prstGeom prst="rect">
             <a:avLst/>
@@ -2099,8 +2106,8 @@
         </p:nvSpPr>
         <p:spPr>
           <a:xfrm>
-            <a:off x="503640" y="1326240"/>
-            <a:ext cx="9071280" cy="3288240"/>
+            <a:off x="504000" y="1326600"/>
+            <a:ext cx="9072000" cy="3288600"/>
           </a:xfrm>
           <a:prstGeom prst="rect">
             <a:avLst/>
@@ -2152,8 +2159,8 @@
         </p:nvSpPr>
         <p:spPr>
           <a:xfrm>
-            <a:off x="503640" y="225720"/>
-            <a:ext cx="9071280" cy="946440"/>
+            <a:off x="504000" y="226080"/>
+            <a:ext cx="9072000" cy="946440"/>
           </a:xfrm>
           <a:prstGeom prst="rect">
             <a:avLst/>
@@ -2183,8 +2190,8 @@
         </p:nvSpPr>
         <p:spPr>
           <a:xfrm>
-            <a:off x="503640" y="1326240"/>
-            <a:ext cx="9071280" cy="3288240"/>
+            <a:off x="504000" y="1326600"/>
+            <a:ext cx="9072000" cy="3288600"/>
           </a:xfrm>
           <a:prstGeom prst="rect">
             <a:avLst/>
@@ -2235,8 +2242,8 @@
         </p:nvSpPr>
         <p:spPr>
           <a:xfrm>
-            <a:off x="503640" y="225720"/>
-            <a:ext cx="9071280" cy="946440"/>
+            <a:off x="504000" y="226080"/>
+            <a:ext cx="9072000" cy="946440"/>
           </a:xfrm>
           <a:prstGeom prst="rect">
             <a:avLst/>
@@ -2266,8 +2273,8 @@
         </p:nvSpPr>
         <p:spPr>
           <a:xfrm>
-            <a:off x="503640" y="1326240"/>
-            <a:ext cx="4426560" cy="3288240"/>
+            <a:off x="504000" y="1326600"/>
+            <a:ext cx="4426920" cy="3288600"/>
           </a:xfrm>
           <a:prstGeom prst="rect">
             <a:avLst/>
@@ -2296,8 +2303,8 @@
         </p:nvSpPr>
         <p:spPr>
           <a:xfrm>
-            <a:off x="5151960" y="1326240"/>
-            <a:ext cx="4426560" cy="3288240"/>
+            <a:off x="5152680" y="1326600"/>
+            <a:ext cx="4426920" cy="3288600"/>
           </a:xfrm>
           <a:prstGeom prst="rect">
             <a:avLst/>
@@ -2348,8 +2355,8 @@
         </p:nvSpPr>
         <p:spPr>
           <a:xfrm>
-            <a:off x="503640" y="225720"/>
-            <a:ext cx="9071280" cy="946440"/>
+            <a:off x="504000" y="226080"/>
+            <a:ext cx="9072000" cy="946440"/>
           </a:xfrm>
           <a:prstGeom prst="rect">
             <a:avLst/>
@@ -2401,8 +2408,8 @@
         </p:nvSpPr>
         <p:spPr>
           <a:xfrm>
-            <a:off x="503640" y="225720"/>
-            <a:ext cx="9071280" cy="946440"/>
+            <a:off x="504000" y="226080"/>
+            <a:ext cx="9072000" cy="946440"/>
           </a:xfrm>
           <a:prstGeom prst="rect">
             <a:avLst/>
@@ -2432,8 +2439,8 @@
         </p:nvSpPr>
         <p:spPr>
           <a:xfrm>
-            <a:off x="503640" y="1326240"/>
-            <a:ext cx="9071280" cy="3288240"/>
+            <a:off x="504000" y="1326600"/>
+            <a:ext cx="9072000" cy="3288600"/>
           </a:xfrm>
           <a:prstGeom prst="rect">
             <a:avLst/>
@@ -2484,8 +2491,8 @@
         </p:nvSpPr>
         <p:spPr>
           <a:xfrm>
-            <a:off x="503640" y="225720"/>
-            <a:ext cx="9071280" cy="4388400"/>
+            <a:off x="504000" y="226080"/>
+            <a:ext cx="9072000" cy="4388400"/>
           </a:xfrm>
           <a:prstGeom prst="rect">
             <a:avLst/>
@@ -2537,8 +2544,8 @@
         </p:nvSpPr>
         <p:spPr>
           <a:xfrm>
-            <a:off x="503640" y="225720"/>
-            <a:ext cx="9071280" cy="946440"/>
+            <a:off x="504000" y="226080"/>
+            <a:ext cx="9072000" cy="946440"/>
           </a:xfrm>
           <a:prstGeom prst="rect">
             <a:avLst/>
@@ -2568,8 +2575,8 @@
         </p:nvSpPr>
         <p:spPr>
           <a:xfrm>
-            <a:off x="503640" y="1326240"/>
-            <a:ext cx="4426560" cy="1568160"/>
+            <a:off x="504000" y="1326600"/>
+            <a:ext cx="4426920" cy="1568520"/>
           </a:xfrm>
           <a:prstGeom prst="rect">
             <a:avLst/>
@@ -2598,8 +2605,8 @@
         </p:nvSpPr>
         <p:spPr>
           <a:xfrm>
-            <a:off x="5151960" y="1326240"/>
-            <a:ext cx="4426560" cy="3288240"/>
+            <a:off x="5152680" y="1326600"/>
+            <a:ext cx="4426920" cy="3288600"/>
           </a:xfrm>
           <a:prstGeom prst="rect">
             <a:avLst/>
@@ -2628,8 +2635,8 @@
         </p:nvSpPr>
         <p:spPr>
           <a:xfrm>
-            <a:off x="503640" y="3043800"/>
-            <a:ext cx="4426560" cy="1568160"/>
+            <a:off x="504000" y="3044520"/>
+            <a:ext cx="4426920" cy="1568520"/>
           </a:xfrm>
           <a:prstGeom prst="rect">
             <a:avLst/>
@@ -2680,8 +2687,8 @@
         </p:nvSpPr>
         <p:spPr>
           <a:xfrm>
-            <a:off x="503640" y="225720"/>
-            <a:ext cx="9071280" cy="946440"/>
+            <a:off x="504000" y="226080"/>
+            <a:ext cx="9072000" cy="946440"/>
           </a:xfrm>
           <a:prstGeom prst="rect">
             <a:avLst/>
@@ -2711,8 +2718,8 @@
         </p:nvSpPr>
         <p:spPr>
           <a:xfrm>
-            <a:off x="503640" y="1326240"/>
-            <a:ext cx="4426560" cy="3288240"/>
+            <a:off x="504000" y="1326600"/>
+            <a:ext cx="4426920" cy="3288600"/>
           </a:xfrm>
           <a:prstGeom prst="rect">
             <a:avLst/>
@@ -2741,8 +2748,8 @@
         </p:nvSpPr>
         <p:spPr>
           <a:xfrm>
-            <a:off x="5151960" y="1326240"/>
-            <a:ext cx="4426560" cy="1568160"/>
+            <a:off x="5152680" y="1326600"/>
+            <a:ext cx="4426920" cy="1568520"/>
           </a:xfrm>
           <a:prstGeom prst="rect">
             <a:avLst/>
@@ -2771,8 +2778,8 @@
         </p:nvSpPr>
         <p:spPr>
           <a:xfrm>
-            <a:off x="5151960" y="3043800"/>
-            <a:ext cx="4426560" cy="1568160"/>
+            <a:off x="5152680" y="3044520"/>
+            <a:ext cx="4426920" cy="1568520"/>
           </a:xfrm>
           <a:prstGeom prst="rect">
             <a:avLst/>
@@ -2823,8 +2830,8 @@
         </p:nvSpPr>
         <p:spPr>
           <a:xfrm>
-            <a:off x="503640" y="225720"/>
-            <a:ext cx="9071280" cy="946440"/>
+            <a:off x="504000" y="226080"/>
+            <a:ext cx="9072000" cy="946440"/>
           </a:xfrm>
           <a:prstGeom prst="rect">
             <a:avLst/>
@@ -2854,8 +2861,8 @@
         </p:nvSpPr>
         <p:spPr>
           <a:xfrm>
-            <a:off x="503640" y="1326240"/>
-            <a:ext cx="4426560" cy="1568160"/>
+            <a:off x="504000" y="1326600"/>
+            <a:ext cx="4426920" cy="1568520"/>
           </a:xfrm>
           <a:prstGeom prst="rect">
             <a:avLst/>
@@ -2884,8 +2891,8 @@
         </p:nvSpPr>
         <p:spPr>
           <a:xfrm>
-            <a:off x="5151960" y="1326240"/>
-            <a:ext cx="4426560" cy="1568160"/>
+            <a:off x="5152680" y="1326600"/>
+            <a:ext cx="4426920" cy="1568520"/>
           </a:xfrm>
           <a:prstGeom prst="rect">
             <a:avLst/>
@@ -2914,8 +2921,8 @@
         </p:nvSpPr>
         <p:spPr>
           <a:xfrm>
-            <a:off x="503640" y="3043800"/>
-            <a:ext cx="9071280" cy="1568160"/>
+            <a:off x="504000" y="3044520"/>
+            <a:ext cx="9072000" cy="1568520"/>
           </a:xfrm>
           <a:prstGeom prst="rect">
             <a:avLst/>
@@ -2966,8 +2973,8 @@
         </p:nvSpPr>
         <p:spPr>
           <a:xfrm>
-            <a:off x="503640" y="225720"/>
-            <a:ext cx="9071280" cy="946440"/>
+            <a:off x="504000" y="226080"/>
+            <a:ext cx="9072000" cy="946440"/>
           </a:xfrm>
           <a:prstGeom prst="rect">
             <a:avLst/>
@@ -2997,8 +3004,8 @@
         </p:nvSpPr>
         <p:spPr>
           <a:xfrm>
-            <a:off x="503640" y="1326240"/>
-            <a:ext cx="9071280" cy="1568160"/>
+            <a:off x="504000" y="1326600"/>
+            <a:ext cx="9072000" cy="1568520"/>
           </a:xfrm>
           <a:prstGeom prst="rect">
             <a:avLst/>
@@ -3027,8 +3034,8 @@
         </p:nvSpPr>
         <p:spPr>
           <a:xfrm>
-            <a:off x="503640" y="3043800"/>
-            <a:ext cx="9071280" cy="1568160"/>
+            <a:off x="504000" y="3044520"/>
+            <a:ext cx="9072000" cy="1568520"/>
           </a:xfrm>
           <a:prstGeom prst="rect">
             <a:avLst/>
@@ -3079,8 +3086,8 @@
         </p:nvSpPr>
         <p:spPr>
           <a:xfrm>
-            <a:off x="503640" y="225720"/>
-            <a:ext cx="9071280" cy="946440"/>
+            <a:off x="504000" y="226080"/>
+            <a:ext cx="9072000" cy="946440"/>
           </a:xfrm>
           <a:prstGeom prst="rect">
             <a:avLst/>
@@ -3110,8 +3117,8 @@
         </p:nvSpPr>
         <p:spPr>
           <a:xfrm>
-            <a:off x="503640" y="1326240"/>
-            <a:ext cx="4426560" cy="1568160"/>
+            <a:off x="504000" y="1326600"/>
+            <a:ext cx="4426920" cy="1568520"/>
           </a:xfrm>
           <a:prstGeom prst="rect">
             <a:avLst/>
@@ -3140,8 +3147,8 @@
         </p:nvSpPr>
         <p:spPr>
           <a:xfrm>
-            <a:off x="5151960" y="1326240"/>
-            <a:ext cx="4426560" cy="1568160"/>
+            <a:off x="5152680" y="1326600"/>
+            <a:ext cx="4426920" cy="1568520"/>
           </a:xfrm>
           <a:prstGeom prst="rect">
             <a:avLst/>
@@ -3170,8 +3177,8 @@
         </p:nvSpPr>
         <p:spPr>
           <a:xfrm>
-            <a:off x="503640" y="3043800"/>
-            <a:ext cx="4426560" cy="1568160"/>
+            <a:off x="504000" y="3044520"/>
+            <a:ext cx="4426920" cy="1568520"/>
           </a:xfrm>
           <a:prstGeom prst="rect">
             <a:avLst/>
@@ -3200,8 +3207,8 @@
         </p:nvSpPr>
         <p:spPr>
           <a:xfrm>
-            <a:off x="5151960" y="3043800"/>
-            <a:ext cx="4426560" cy="1568160"/>
+            <a:off x="5152680" y="3044520"/>
+            <a:ext cx="4426920" cy="1568520"/>
           </a:xfrm>
           <a:prstGeom prst="rect">
             <a:avLst/>
@@ -3252,8 +3259,8 @@
         </p:nvSpPr>
         <p:spPr>
           <a:xfrm>
-            <a:off x="503640" y="225720"/>
-            <a:ext cx="9071280" cy="946440"/>
+            <a:off x="504000" y="226080"/>
+            <a:ext cx="9072000" cy="946440"/>
           </a:xfrm>
           <a:prstGeom prst="rect">
             <a:avLst/>
@@ -3283,8 +3290,8 @@
         </p:nvSpPr>
         <p:spPr>
           <a:xfrm>
-            <a:off x="503640" y="1326240"/>
-            <a:ext cx="2920680" cy="1568160"/>
+            <a:off x="504000" y="1326600"/>
+            <a:ext cx="2921040" cy="1568520"/>
           </a:xfrm>
           <a:prstGeom prst="rect">
             <a:avLst/>
@@ -3313,8 +3320,8 @@
         </p:nvSpPr>
         <p:spPr>
           <a:xfrm>
-            <a:off x="3570840" y="1326240"/>
-            <a:ext cx="2920680" cy="1568160"/>
+            <a:off x="3571560" y="1326600"/>
+            <a:ext cx="2921040" cy="1568520"/>
           </a:xfrm>
           <a:prstGeom prst="rect">
             <a:avLst/>
@@ -3343,8 +3350,8 @@
         </p:nvSpPr>
         <p:spPr>
           <a:xfrm>
-            <a:off x="6637680" y="1326240"/>
-            <a:ext cx="2920680" cy="1568160"/>
+            <a:off x="6639120" y="1326600"/>
+            <a:ext cx="2921040" cy="1568520"/>
           </a:xfrm>
           <a:prstGeom prst="rect">
             <a:avLst/>
@@ -3373,8 +3380,8 @@
         </p:nvSpPr>
         <p:spPr>
           <a:xfrm>
-            <a:off x="503640" y="3043800"/>
-            <a:ext cx="2920680" cy="1568160"/>
+            <a:off x="504000" y="3044520"/>
+            <a:ext cx="2921040" cy="1568520"/>
           </a:xfrm>
           <a:prstGeom prst="rect">
             <a:avLst/>
@@ -3403,8 +3410,8 @@
         </p:nvSpPr>
         <p:spPr>
           <a:xfrm>
-            <a:off x="3570840" y="3043800"/>
-            <a:ext cx="2920680" cy="1568160"/>
+            <a:off x="3571560" y="3044520"/>
+            <a:ext cx="2921040" cy="1568520"/>
           </a:xfrm>
           <a:prstGeom prst="rect">
             <a:avLst/>
@@ -3433,8 +3440,8 @@
         </p:nvSpPr>
         <p:spPr>
           <a:xfrm>
-            <a:off x="6637680" y="3043800"/>
-            <a:ext cx="2920680" cy="1568160"/>
+            <a:off x="6639120" y="3044520"/>
+            <a:ext cx="2921040" cy="1568520"/>
           </a:xfrm>
           <a:prstGeom prst="rect">
             <a:avLst/>
@@ -3507,8 +3514,8 @@
         </p:nvSpPr>
         <p:spPr>
           <a:xfrm>
-            <a:off x="503640" y="225720"/>
-            <a:ext cx="9071280" cy="946440"/>
+            <a:off x="504000" y="226080"/>
+            <a:ext cx="9072000" cy="946440"/>
           </a:xfrm>
           <a:prstGeom prst="rect">
             <a:avLst/>
@@ -3538,8 +3545,8 @@
         </p:nvSpPr>
         <p:spPr>
           <a:xfrm>
-            <a:off x="503640" y="1326240"/>
-            <a:ext cx="9071280" cy="3288240"/>
+            <a:off x="504000" y="1326600"/>
+            <a:ext cx="9072000" cy="3288600"/>
           </a:xfrm>
           <a:prstGeom prst="rect">
             <a:avLst/>
@@ -3591,8 +3598,8 @@
         </p:nvSpPr>
         <p:spPr>
           <a:xfrm>
-            <a:off x="503640" y="225720"/>
-            <a:ext cx="9071280" cy="946440"/>
+            <a:off x="504000" y="226080"/>
+            <a:ext cx="9072000" cy="946440"/>
           </a:xfrm>
           <a:prstGeom prst="rect">
             <a:avLst/>
@@ -3622,8 +3629,8 @@
         </p:nvSpPr>
         <p:spPr>
           <a:xfrm>
-            <a:off x="503640" y="1326240"/>
-            <a:ext cx="9071280" cy="3288240"/>
+            <a:off x="504000" y="1326600"/>
+            <a:ext cx="9072000" cy="3288600"/>
           </a:xfrm>
           <a:prstGeom prst="rect">
             <a:avLst/>
@@ -3674,8 +3681,8 @@
         </p:nvSpPr>
         <p:spPr>
           <a:xfrm>
-            <a:off x="503640" y="225720"/>
-            <a:ext cx="9071280" cy="946440"/>
+            <a:off x="504000" y="226080"/>
+            <a:ext cx="9072000" cy="946440"/>
           </a:xfrm>
           <a:prstGeom prst="rect">
             <a:avLst/>
@@ -3705,8 +3712,8 @@
         </p:nvSpPr>
         <p:spPr>
           <a:xfrm>
-            <a:off x="503640" y="1326240"/>
-            <a:ext cx="4426560" cy="3288240"/>
+            <a:off x="504000" y="1326600"/>
+            <a:ext cx="4426920" cy="3288600"/>
           </a:xfrm>
           <a:prstGeom prst="rect">
             <a:avLst/>
@@ -3735,8 +3742,8 @@
         </p:nvSpPr>
         <p:spPr>
           <a:xfrm>
-            <a:off x="5151960" y="1326240"/>
-            <a:ext cx="4426560" cy="3288240"/>
+            <a:off x="5152680" y="1326600"/>
+            <a:ext cx="4426920" cy="3288600"/>
           </a:xfrm>
           <a:prstGeom prst="rect">
             <a:avLst/>
@@ -3787,8 +3794,8 @@
         </p:nvSpPr>
         <p:spPr>
           <a:xfrm>
-            <a:off x="503640" y="225720"/>
-            <a:ext cx="9071280" cy="946440"/>
+            <a:off x="504000" y="226080"/>
+            <a:ext cx="9072000" cy="946440"/>
           </a:xfrm>
           <a:prstGeom prst="rect">
             <a:avLst/>
@@ -3818,8 +3825,8 @@
         </p:nvSpPr>
         <p:spPr>
           <a:xfrm>
-            <a:off x="503640" y="1326240"/>
-            <a:ext cx="4426560" cy="3288240"/>
+            <a:off x="504000" y="1326600"/>
+            <a:ext cx="4426920" cy="3288600"/>
           </a:xfrm>
           <a:prstGeom prst="rect">
             <a:avLst/>
@@ -3848,8 +3855,8 @@
         </p:nvSpPr>
         <p:spPr>
           <a:xfrm>
-            <a:off x="5151960" y="1326240"/>
-            <a:ext cx="4426560" cy="3288240"/>
+            <a:off x="5152680" y="1326600"/>
+            <a:ext cx="4426920" cy="3288600"/>
           </a:xfrm>
           <a:prstGeom prst="rect">
             <a:avLst/>
@@ -3900,8 +3907,8 @@
         </p:nvSpPr>
         <p:spPr>
           <a:xfrm>
-            <a:off x="503640" y="225720"/>
-            <a:ext cx="9071280" cy="946440"/>
+            <a:off x="504000" y="226080"/>
+            <a:ext cx="9072000" cy="946440"/>
           </a:xfrm>
           <a:prstGeom prst="rect">
             <a:avLst/>
@@ -3953,8 +3960,8 @@
         </p:nvSpPr>
         <p:spPr>
           <a:xfrm>
-            <a:off x="503640" y="225720"/>
-            <a:ext cx="9071280" cy="4388400"/>
+            <a:off x="504000" y="226080"/>
+            <a:ext cx="9072000" cy="4388400"/>
           </a:xfrm>
           <a:prstGeom prst="rect">
             <a:avLst/>
@@ -4006,8 +4013,8 @@
         </p:nvSpPr>
         <p:spPr>
           <a:xfrm>
-            <a:off x="503640" y="225720"/>
-            <a:ext cx="9071280" cy="946440"/>
+            <a:off x="504000" y="226080"/>
+            <a:ext cx="9072000" cy="946440"/>
           </a:xfrm>
           <a:prstGeom prst="rect">
             <a:avLst/>
@@ -4037,8 +4044,8 @@
         </p:nvSpPr>
         <p:spPr>
           <a:xfrm>
-            <a:off x="503640" y="1326240"/>
-            <a:ext cx="4426560" cy="1568160"/>
+            <a:off x="504000" y="1326600"/>
+            <a:ext cx="4426920" cy="1568520"/>
           </a:xfrm>
           <a:prstGeom prst="rect">
             <a:avLst/>
@@ -4067,8 +4074,8 @@
         </p:nvSpPr>
         <p:spPr>
           <a:xfrm>
-            <a:off x="5151960" y="1326240"/>
-            <a:ext cx="4426560" cy="3288240"/>
+            <a:off x="5152680" y="1326600"/>
+            <a:ext cx="4426920" cy="3288600"/>
           </a:xfrm>
           <a:prstGeom prst="rect">
             <a:avLst/>
@@ -4097,8 +4104,8 @@
         </p:nvSpPr>
         <p:spPr>
           <a:xfrm>
-            <a:off x="503640" y="3043800"/>
-            <a:ext cx="4426560" cy="1568160"/>
+            <a:off x="504000" y="3044520"/>
+            <a:ext cx="4426920" cy="1568520"/>
           </a:xfrm>
           <a:prstGeom prst="rect">
             <a:avLst/>
@@ -4149,8 +4156,8 @@
         </p:nvSpPr>
         <p:spPr>
           <a:xfrm>
-            <a:off x="503640" y="225720"/>
-            <a:ext cx="9071280" cy="946440"/>
+            <a:off x="504000" y="226080"/>
+            <a:ext cx="9072000" cy="946440"/>
           </a:xfrm>
           <a:prstGeom prst="rect">
             <a:avLst/>
@@ -4180,8 +4187,8 @@
         </p:nvSpPr>
         <p:spPr>
           <a:xfrm>
-            <a:off x="503640" y="1326240"/>
-            <a:ext cx="4426560" cy="3288240"/>
+            <a:off x="504000" y="1326600"/>
+            <a:ext cx="4426920" cy="3288600"/>
           </a:xfrm>
           <a:prstGeom prst="rect">
             <a:avLst/>
@@ -4210,8 +4217,8 @@
         </p:nvSpPr>
         <p:spPr>
           <a:xfrm>
-            <a:off x="5151960" y="1326240"/>
-            <a:ext cx="4426560" cy="1568160"/>
+            <a:off x="5152680" y="1326600"/>
+            <a:ext cx="4426920" cy="1568520"/>
           </a:xfrm>
           <a:prstGeom prst="rect">
             <a:avLst/>
@@ -4240,8 +4247,8 @@
         </p:nvSpPr>
         <p:spPr>
           <a:xfrm>
-            <a:off x="5151960" y="3043800"/>
-            <a:ext cx="4426560" cy="1568160"/>
+            <a:off x="5152680" y="3044520"/>
+            <a:ext cx="4426920" cy="1568520"/>
           </a:xfrm>
           <a:prstGeom prst="rect">
             <a:avLst/>
@@ -4292,8 +4299,8 @@
         </p:nvSpPr>
         <p:spPr>
           <a:xfrm>
-            <a:off x="503640" y="225720"/>
-            <a:ext cx="9071280" cy="946440"/>
+            <a:off x="504000" y="226080"/>
+            <a:ext cx="9072000" cy="946440"/>
           </a:xfrm>
           <a:prstGeom prst="rect">
             <a:avLst/>
@@ -4323,8 +4330,8 @@
         </p:nvSpPr>
         <p:spPr>
           <a:xfrm>
-            <a:off x="503640" y="1326240"/>
-            <a:ext cx="4426560" cy="1568160"/>
+            <a:off x="504000" y="1326600"/>
+            <a:ext cx="4426920" cy="1568520"/>
           </a:xfrm>
           <a:prstGeom prst="rect">
             <a:avLst/>
@@ -4353,8 +4360,8 @@
         </p:nvSpPr>
         <p:spPr>
           <a:xfrm>
-            <a:off x="5151960" y="1326240"/>
-            <a:ext cx="4426560" cy="1568160"/>
+            <a:off x="5152680" y="1326600"/>
+            <a:ext cx="4426920" cy="1568520"/>
           </a:xfrm>
           <a:prstGeom prst="rect">
             <a:avLst/>
@@ -4383,8 +4390,8 @@
         </p:nvSpPr>
         <p:spPr>
           <a:xfrm>
-            <a:off x="503640" y="3043800"/>
-            <a:ext cx="9071280" cy="1568160"/>
+            <a:off x="504000" y="3044520"/>
+            <a:ext cx="9072000" cy="1568520"/>
           </a:xfrm>
           <a:prstGeom prst="rect">
             <a:avLst/>
@@ -4435,8 +4442,8 @@
         </p:nvSpPr>
         <p:spPr>
           <a:xfrm>
-            <a:off x="503640" y="225720"/>
-            <a:ext cx="9071280" cy="946440"/>
+            <a:off x="504000" y="226080"/>
+            <a:ext cx="9072000" cy="946440"/>
           </a:xfrm>
           <a:prstGeom prst="rect">
             <a:avLst/>
@@ -4466,8 +4473,8 @@
         </p:nvSpPr>
         <p:spPr>
           <a:xfrm>
-            <a:off x="503640" y="1326240"/>
-            <a:ext cx="9071280" cy="1568160"/>
+            <a:off x="504000" y="1326600"/>
+            <a:ext cx="9072000" cy="1568520"/>
           </a:xfrm>
           <a:prstGeom prst="rect">
             <a:avLst/>
@@ -4496,8 +4503,8 @@
         </p:nvSpPr>
         <p:spPr>
           <a:xfrm>
-            <a:off x="503640" y="3043800"/>
-            <a:ext cx="9071280" cy="1568160"/>
+            <a:off x="504000" y="3044520"/>
+            <a:ext cx="9072000" cy="1568520"/>
           </a:xfrm>
           <a:prstGeom prst="rect">
             <a:avLst/>
@@ -4548,8 +4555,8 @@
         </p:nvSpPr>
         <p:spPr>
           <a:xfrm>
-            <a:off x="503640" y="225720"/>
-            <a:ext cx="9071280" cy="946440"/>
+            <a:off x="504000" y="226080"/>
+            <a:ext cx="9072000" cy="946440"/>
           </a:xfrm>
           <a:prstGeom prst="rect">
             <a:avLst/>
@@ -4579,8 +4586,8 @@
         </p:nvSpPr>
         <p:spPr>
           <a:xfrm>
-            <a:off x="503640" y="1326240"/>
-            <a:ext cx="4426560" cy="1568160"/>
+            <a:off x="504000" y="1326600"/>
+            <a:ext cx="4426920" cy="1568520"/>
           </a:xfrm>
           <a:prstGeom prst="rect">
             <a:avLst/>
@@ -4609,8 +4616,8 @@
         </p:nvSpPr>
         <p:spPr>
           <a:xfrm>
-            <a:off x="5151960" y="1326240"/>
-            <a:ext cx="4426560" cy="1568160"/>
+            <a:off x="5152680" y="1326600"/>
+            <a:ext cx="4426920" cy="1568520"/>
           </a:xfrm>
           <a:prstGeom prst="rect">
             <a:avLst/>
@@ -4639,8 +4646,8 @@
         </p:nvSpPr>
         <p:spPr>
           <a:xfrm>
-            <a:off x="503640" y="3043800"/>
-            <a:ext cx="4426560" cy="1568160"/>
+            <a:off x="504000" y="3044520"/>
+            <a:ext cx="4426920" cy="1568520"/>
           </a:xfrm>
           <a:prstGeom prst="rect">
             <a:avLst/>
@@ -4669,8 +4676,8 @@
         </p:nvSpPr>
         <p:spPr>
           <a:xfrm>
-            <a:off x="5151960" y="3043800"/>
-            <a:ext cx="4426560" cy="1568160"/>
+            <a:off x="5152680" y="3044520"/>
+            <a:ext cx="4426920" cy="1568520"/>
           </a:xfrm>
           <a:prstGeom prst="rect">
             <a:avLst/>
@@ -4721,8 +4728,8 @@
         </p:nvSpPr>
         <p:spPr>
           <a:xfrm>
-            <a:off x="503640" y="225720"/>
-            <a:ext cx="9071280" cy="946440"/>
+            <a:off x="504000" y="226080"/>
+            <a:ext cx="9072000" cy="946440"/>
           </a:xfrm>
           <a:prstGeom prst="rect">
             <a:avLst/>
@@ -4752,8 +4759,8 @@
         </p:nvSpPr>
         <p:spPr>
           <a:xfrm>
-            <a:off x="503640" y="1326240"/>
-            <a:ext cx="2920680" cy="1568160"/>
+            <a:off x="504000" y="1326600"/>
+            <a:ext cx="2921040" cy="1568520"/>
           </a:xfrm>
           <a:prstGeom prst="rect">
             <a:avLst/>
@@ -4782,8 +4789,8 @@
         </p:nvSpPr>
         <p:spPr>
           <a:xfrm>
-            <a:off x="3570840" y="1326240"/>
-            <a:ext cx="2920680" cy="1568160"/>
+            <a:off x="3571560" y="1326600"/>
+            <a:ext cx="2921040" cy="1568520"/>
           </a:xfrm>
           <a:prstGeom prst="rect">
             <a:avLst/>
@@ -4812,8 +4819,8 @@
         </p:nvSpPr>
         <p:spPr>
           <a:xfrm>
-            <a:off x="6637680" y="1326240"/>
-            <a:ext cx="2920680" cy="1568160"/>
+            <a:off x="6639120" y="1326600"/>
+            <a:ext cx="2921040" cy="1568520"/>
           </a:xfrm>
           <a:prstGeom prst="rect">
             <a:avLst/>
@@ -4842,8 +4849,8 @@
         </p:nvSpPr>
         <p:spPr>
           <a:xfrm>
-            <a:off x="503640" y="3043800"/>
-            <a:ext cx="2920680" cy="1568160"/>
+            <a:off x="504000" y="3044520"/>
+            <a:ext cx="2921040" cy="1568520"/>
           </a:xfrm>
           <a:prstGeom prst="rect">
             <a:avLst/>
@@ -4872,8 +4879,8 @@
         </p:nvSpPr>
         <p:spPr>
           <a:xfrm>
-            <a:off x="3570840" y="3043800"/>
-            <a:ext cx="2920680" cy="1568160"/>
+            <a:off x="3571560" y="3044520"/>
+            <a:ext cx="2921040" cy="1568520"/>
           </a:xfrm>
           <a:prstGeom prst="rect">
             <a:avLst/>
@@ -4902,8 +4909,8 @@
         </p:nvSpPr>
         <p:spPr>
           <a:xfrm>
-            <a:off x="6637680" y="3043800"/>
-            <a:ext cx="2920680" cy="1568160"/>
+            <a:off x="6639120" y="3044520"/>
+            <a:ext cx="2921040" cy="1568520"/>
           </a:xfrm>
           <a:prstGeom prst="rect">
             <a:avLst/>
@@ -4976,8 +4983,8 @@
         </p:nvSpPr>
         <p:spPr>
           <a:xfrm>
-            <a:off x="503640" y="225720"/>
-            <a:ext cx="9071280" cy="946440"/>
+            <a:off x="504000" y="226080"/>
+            <a:ext cx="9072000" cy="946440"/>
           </a:xfrm>
           <a:prstGeom prst="rect">
             <a:avLst/>
@@ -5029,8 +5036,8 @@
         </p:nvSpPr>
         <p:spPr>
           <a:xfrm>
-            <a:off x="503640" y="225720"/>
-            <a:ext cx="9071280" cy="946440"/>
+            <a:off x="504000" y="226080"/>
+            <a:ext cx="9072000" cy="946440"/>
           </a:xfrm>
           <a:prstGeom prst="rect">
             <a:avLst/>
@@ -5060,8 +5067,8 @@
         </p:nvSpPr>
         <p:spPr>
           <a:xfrm>
-            <a:off x="503640" y="1326240"/>
-            <a:ext cx="9071280" cy="3288240"/>
+            <a:off x="504000" y="1326600"/>
+            <a:ext cx="9072000" cy="3288600"/>
           </a:xfrm>
           <a:prstGeom prst="rect">
             <a:avLst/>
@@ -5113,8 +5120,8 @@
         </p:nvSpPr>
         <p:spPr>
           <a:xfrm>
-            <a:off x="503640" y="225720"/>
-            <a:ext cx="9071280" cy="946440"/>
+            <a:off x="504000" y="226080"/>
+            <a:ext cx="9072000" cy="946440"/>
           </a:xfrm>
           <a:prstGeom prst="rect">
             <a:avLst/>
@@ -5144,8 +5151,8 @@
         </p:nvSpPr>
         <p:spPr>
           <a:xfrm>
-            <a:off x="503640" y="1326240"/>
-            <a:ext cx="9071280" cy="3288240"/>
+            <a:off x="504000" y="1326600"/>
+            <a:ext cx="9072000" cy="3288600"/>
           </a:xfrm>
           <a:prstGeom prst="rect">
             <a:avLst/>
@@ -5196,8 +5203,8 @@
         </p:nvSpPr>
         <p:spPr>
           <a:xfrm>
-            <a:off x="503640" y="225720"/>
-            <a:ext cx="9071280" cy="946440"/>
+            <a:off x="504000" y="226080"/>
+            <a:ext cx="9072000" cy="946440"/>
           </a:xfrm>
           <a:prstGeom prst="rect">
             <a:avLst/>
@@ -5227,8 +5234,8 @@
         </p:nvSpPr>
         <p:spPr>
           <a:xfrm>
-            <a:off x="503640" y="1326240"/>
-            <a:ext cx="4426560" cy="3288240"/>
+            <a:off x="504000" y="1326600"/>
+            <a:ext cx="4426920" cy="3288600"/>
           </a:xfrm>
           <a:prstGeom prst="rect">
             <a:avLst/>
@@ -5257,8 +5264,8 @@
         </p:nvSpPr>
         <p:spPr>
           <a:xfrm>
-            <a:off x="5151960" y="1326240"/>
-            <a:ext cx="4426560" cy="3288240"/>
+            <a:off x="5152680" y="1326600"/>
+            <a:ext cx="4426920" cy="3288600"/>
           </a:xfrm>
           <a:prstGeom prst="rect">
             <a:avLst/>
@@ -5309,8 +5316,8 @@
         </p:nvSpPr>
         <p:spPr>
           <a:xfrm>
-            <a:off x="503640" y="225720"/>
-            <a:ext cx="9071280" cy="946440"/>
+            <a:off x="504000" y="226080"/>
+            <a:ext cx="9072000" cy="946440"/>
           </a:xfrm>
           <a:prstGeom prst="rect">
             <a:avLst/>
@@ -5362,8 +5369,8 @@
         </p:nvSpPr>
         <p:spPr>
           <a:xfrm>
-            <a:off x="503640" y="225720"/>
-            <a:ext cx="9071280" cy="4388400"/>
+            <a:off x="504000" y="226080"/>
+            <a:ext cx="9072000" cy="4388400"/>
           </a:xfrm>
           <a:prstGeom prst="rect">
             <a:avLst/>
@@ -5415,8 +5422,8 @@
         </p:nvSpPr>
         <p:spPr>
           <a:xfrm>
-            <a:off x="503640" y="225720"/>
-            <a:ext cx="9071280" cy="946440"/>
+            <a:off x="504000" y="226080"/>
+            <a:ext cx="9072000" cy="946440"/>
           </a:xfrm>
           <a:prstGeom prst="rect">
             <a:avLst/>
@@ -5446,8 +5453,8 @@
         </p:nvSpPr>
         <p:spPr>
           <a:xfrm>
-            <a:off x="503640" y="1326240"/>
-            <a:ext cx="4426560" cy="1568160"/>
+            <a:off x="504000" y="1326600"/>
+            <a:ext cx="4426920" cy="1568520"/>
           </a:xfrm>
           <a:prstGeom prst="rect">
             <a:avLst/>
@@ -5476,8 +5483,8 @@
         </p:nvSpPr>
         <p:spPr>
           <a:xfrm>
-            <a:off x="5151960" y="1326240"/>
-            <a:ext cx="4426560" cy="3288240"/>
+            <a:off x="5152680" y="1326600"/>
+            <a:ext cx="4426920" cy="3288600"/>
           </a:xfrm>
           <a:prstGeom prst="rect">
             <a:avLst/>
@@ -5506,8 +5513,8 @@
         </p:nvSpPr>
         <p:spPr>
           <a:xfrm>
-            <a:off x="503640" y="3043800"/>
-            <a:ext cx="4426560" cy="1568160"/>
+            <a:off x="504000" y="3044520"/>
+            <a:ext cx="4426920" cy="1568520"/>
           </a:xfrm>
           <a:prstGeom prst="rect">
             <a:avLst/>
@@ -5558,8 +5565,8 @@
         </p:nvSpPr>
         <p:spPr>
           <a:xfrm>
-            <a:off x="503640" y="225720"/>
-            <a:ext cx="9071280" cy="946440"/>
+            <a:off x="504000" y="226080"/>
+            <a:ext cx="9072000" cy="946440"/>
           </a:xfrm>
           <a:prstGeom prst="rect">
             <a:avLst/>
@@ -5589,8 +5596,8 @@
         </p:nvSpPr>
         <p:spPr>
           <a:xfrm>
-            <a:off x="503640" y="1326240"/>
-            <a:ext cx="4426560" cy="3288240"/>
+            <a:off x="504000" y="1326600"/>
+            <a:ext cx="4426920" cy="3288600"/>
           </a:xfrm>
           <a:prstGeom prst="rect">
             <a:avLst/>
@@ -5619,8 +5626,8 @@
         </p:nvSpPr>
         <p:spPr>
           <a:xfrm>
-            <a:off x="5151960" y="1326240"/>
-            <a:ext cx="4426560" cy="1568160"/>
+            <a:off x="5152680" y="1326600"/>
+            <a:ext cx="4426920" cy="1568520"/>
           </a:xfrm>
           <a:prstGeom prst="rect">
             <a:avLst/>
@@ -5649,8 +5656,8 @@
         </p:nvSpPr>
         <p:spPr>
           <a:xfrm>
-            <a:off x="5151960" y="3043800"/>
-            <a:ext cx="4426560" cy="1568160"/>
+            <a:off x="5152680" y="3044520"/>
+            <a:ext cx="4426920" cy="1568520"/>
           </a:xfrm>
           <a:prstGeom prst="rect">
             <a:avLst/>
@@ -5701,8 +5708,8 @@
         </p:nvSpPr>
         <p:spPr>
           <a:xfrm>
-            <a:off x="503640" y="225720"/>
-            <a:ext cx="9071280" cy="946440"/>
+            <a:off x="504000" y="226080"/>
+            <a:ext cx="9072000" cy="946440"/>
           </a:xfrm>
           <a:prstGeom prst="rect">
             <a:avLst/>
@@ -5732,8 +5739,8 @@
         </p:nvSpPr>
         <p:spPr>
           <a:xfrm>
-            <a:off x="503640" y="1326240"/>
-            <a:ext cx="4426560" cy="1568160"/>
+            <a:off x="504000" y="1326600"/>
+            <a:ext cx="4426920" cy="1568520"/>
           </a:xfrm>
           <a:prstGeom prst="rect">
             <a:avLst/>
@@ -5762,8 +5769,8 @@
         </p:nvSpPr>
         <p:spPr>
           <a:xfrm>
-            <a:off x="5151960" y="1326240"/>
-            <a:ext cx="4426560" cy="1568160"/>
+            <a:off x="5152680" y="1326600"/>
+            <a:ext cx="4426920" cy="1568520"/>
           </a:xfrm>
           <a:prstGeom prst="rect">
             <a:avLst/>
@@ -5792,8 +5799,8 @@
         </p:nvSpPr>
         <p:spPr>
           <a:xfrm>
-            <a:off x="503640" y="3043800"/>
-            <a:ext cx="9071280" cy="1568160"/>
+            <a:off x="504000" y="3044520"/>
+            <a:ext cx="9072000" cy="1568520"/>
           </a:xfrm>
           <a:prstGeom prst="rect">
             <a:avLst/>
@@ -5844,8 +5851,8 @@
         </p:nvSpPr>
         <p:spPr>
           <a:xfrm>
-            <a:off x="503640" y="225720"/>
-            <a:ext cx="9071280" cy="946440"/>
+            <a:off x="504000" y="226080"/>
+            <a:ext cx="9072000" cy="946440"/>
           </a:xfrm>
           <a:prstGeom prst="rect">
             <a:avLst/>
@@ -5875,8 +5882,8 @@
         </p:nvSpPr>
         <p:spPr>
           <a:xfrm>
-            <a:off x="503640" y="1326240"/>
-            <a:ext cx="9071280" cy="1568160"/>
+            <a:off x="504000" y="1326600"/>
+            <a:ext cx="9072000" cy="1568520"/>
           </a:xfrm>
           <a:prstGeom prst="rect">
             <a:avLst/>
@@ -5905,8 +5912,8 @@
         </p:nvSpPr>
         <p:spPr>
           <a:xfrm>
-            <a:off x="503640" y="3043800"/>
-            <a:ext cx="9071280" cy="1568160"/>
+            <a:off x="504000" y="3044520"/>
+            <a:ext cx="9072000" cy="1568520"/>
           </a:xfrm>
           <a:prstGeom prst="rect">
             <a:avLst/>
@@ -5957,8 +5964,8 @@
         </p:nvSpPr>
         <p:spPr>
           <a:xfrm>
-            <a:off x="503640" y="225720"/>
-            <a:ext cx="9071280" cy="946440"/>
+            <a:off x="504000" y="226080"/>
+            <a:ext cx="9072000" cy="946440"/>
           </a:xfrm>
           <a:prstGeom prst="rect">
             <a:avLst/>
@@ -5988,8 +5995,8 @@
         </p:nvSpPr>
         <p:spPr>
           <a:xfrm>
-            <a:off x="503640" y="1326240"/>
-            <a:ext cx="4426560" cy="1568160"/>
+            <a:off x="504000" y="1326600"/>
+            <a:ext cx="4426920" cy="1568520"/>
           </a:xfrm>
           <a:prstGeom prst="rect">
             <a:avLst/>
@@ -6018,8 +6025,8 @@
         </p:nvSpPr>
         <p:spPr>
           <a:xfrm>
-            <a:off x="5151960" y="1326240"/>
-            <a:ext cx="4426560" cy="1568160"/>
+            <a:off x="5152680" y="1326600"/>
+            <a:ext cx="4426920" cy="1568520"/>
           </a:xfrm>
           <a:prstGeom prst="rect">
             <a:avLst/>
@@ -6048,8 +6055,8 @@
         </p:nvSpPr>
         <p:spPr>
           <a:xfrm>
-            <a:off x="503640" y="3043800"/>
-            <a:ext cx="4426560" cy="1568160"/>
+            <a:off x="504000" y="3044520"/>
+            <a:ext cx="4426920" cy="1568520"/>
           </a:xfrm>
           <a:prstGeom prst="rect">
             <a:avLst/>
@@ -6078,8 +6085,8 @@
         </p:nvSpPr>
         <p:spPr>
           <a:xfrm>
-            <a:off x="5151960" y="3043800"/>
-            <a:ext cx="4426560" cy="1568160"/>
+            <a:off x="5152680" y="3044520"/>
+            <a:ext cx="4426920" cy="1568520"/>
           </a:xfrm>
           <a:prstGeom prst="rect">
             <a:avLst/>
@@ -6130,8 +6137,8 @@
         </p:nvSpPr>
         <p:spPr>
           <a:xfrm>
-            <a:off x="503640" y="225720"/>
-            <a:ext cx="9071280" cy="4388400"/>
+            <a:off x="504000" y="226080"/>
+            <a:ext cx="9072000" cy="4388400"/>
           </a:xfrm>
           <a:prstGeom prst="rect">
             <a:avLst/>
@@ -6183,8 +6190,8 @@
         </p:nvSpPr>
         <p:spPr>
           <a:xfrm>
-            <a:off x="503640" y="225720"/>
-            <a:ext cx="9071280" cy="946440"/>
+            <a:off x="504000" y="226080"/>
+            <a:ext cx="9072000" cy="946440"/>
           </a:xfrm>
           <a:prstGeom prst="rect">
             <a:avLst/>
@@ -6214,8 +6221,8 @@
         </p:nvSpPr>
         <p:spPr>
           <a:xfrm>
-            <a:off x="503640" y="1326240"/>
-            <a:ext cx="2920680" cy="1568160"/>
+            <a:off x="504000" y="1326600"/>
+            <a:ext cx="2921040" cy="1568520"/>
           </a:xfrm>
           <a:prstGeom prst="rect">
             <a:avLst/>
@@ -6244,8 +6251,8 @@
         </p:nvSpPr>
         <p:spPr>
           <a:xfrm>
-            <a:off x="3570840" y="1326240"/>
-            <a:ext cx="2920680" cy="1568160"/>
+            <a:off x="3571560" y="1326600"/>
+            <a:ext cx="2921040" cy="1568520"/>
           </a:xfrm>
           <a:prstGeom prst="rect">
             <a:avLst/>
@@ -6274,8 +6281,8 @@
         </p:nvSpPr>
         <p:spPr>
           <a:xfrm>
-            <a:off x="6637680" y="1326240"/>
-            <a:ext cx="2920680" cy="1568160"/>
+            <a:off x="6639120" y="1326600"/>
+            <a:ext cx="2921040" cy="1568520"/>
           </a:xfrm>
           <a:prstGeom prst="rect">
             <a:avLst/>
@@ -6304,8 +6311,8 @@
         </p:nvSpPr>
         <p:spPr>
           <a:xfrm>
-            <a:off x="503640" y="3043800"/>
-            <a:ext cx="2920680" cy="1568160"/>
+            <a:off x="504000" y="3044520"/>
+            <a:ext cx="2921040" cy="1568520"/>
           </a:xfrm>
           <a:prstGeom prst="rect">
             <a:avLst/>
@@ -6334,8 +6341,8 @@
         </p:nvSpPr>
         <p:spPr>
           <a:xfrm>
-            <a:off x="3570840" y="3043800"/>
-            <a:ext cx="2920680" cy="1568160"/>
+            <a:off x="3571560" y="3044520"/>
+            <a:ext cx="2921040" cy="1568520"/>
           </a:xfrm>
           <a:prstGeom prst="rect">
             <a:avLst/>
@@ -6364,8 +6371,8 @@
         </p:nvSpPr>
         <p:spPr>
           <a:xfrm>
-            <a:off x="6637680" y="3043800"/>
-            <a:ext cx="2920680" cy="1568160"/>
+            <a:off x="6639120" y="3044520"/>
+            <a:ext cx="2921040" cy="1568520"/>
           </a:xfrm>
           <a:prstGeom prst="rect">
             <a:avLst/>
@@ -6416,8 +6423,8 @@
         </p:nvSpPr>
         <p:spPr>
           <a:xfrm>
-            <a:off x="503640" y="225720"/>
-            <a:ext cx="9071280" cy="946440"/>
+            <a:off x="504000" y="226080"/>
+            <a:ext cx="9072000" cy="946440"/>
           </a:xfrm>
           <a:prstGeom prst="rect">
             <a:avLst/>
@@ -6447,8 +6454,8 @@
         </p:nvSpPr>
         <p:spPr>
           <a:xfrm>
-            <a:off x="503640" y="1326240"/>
-            <a:ext cx="4426560" cy="1568160"/>
+            <a:off x="504000" y="1326600"/>
+            <a:ext cx="4426920" cy="1568520"/>
           </a:xfrm>
           <a:prstGeom prst="rect">
             <a:avLst/>
@@ -6477,8 +6484,8 @@
         </p:nvSpPr>
         <p:spPr>
           <a:xfrm>
-            <a:off x="5151960" y="1326240"/>
-            <a:ext cx="4426560" cy="3288240"/>
+            <a:off x="5152680" y="1326600"/>
+            <a:ext cx="4426920" cy="3288600"/>
           </a:xfrm>
           <a:prstGeom prst="rect">
             <a:avLst/>
@@ -6507,8 +6514,8 @@
         </p:nvSpPr>
         <p:spPr>
           <a:xfrm>
-            <a:off x="503640" y="3043800"/>
-            <a:ext cx="4426560" cy="1568160"/>
+            <a:off x="504000" y="3044520"/>
+            <a:ext cx="4426920" cy="1568520"/>
           </a:xfrm>
           <a:prstGeom prst="rect">
             <a:avLst/>
@@ -6559,8 +6566,8 @@
         </p:nvSpPr>
         <p:spPr>
           <a:xfrm>
-            <a:off x="503640" y="225720"/>
-            <a:ext cx="9071280" cy="946440"/>
+            <a:off x="504000" y="226080"/>
+            <a:ext cx="9072000" cy="946440"/>
           </a:xfrm>
           <a:prstGeom prst="rect">
             <a:avLst/>
@@ -6590,8 +6597,8 @@
         </p:nvSpPr>
         <p:spPr>
           <a:xfrm>
-            <a:off x="503640" y="1326240"/>
-            <a:ext cx="4426560" cy="3288240"/>
+            <a:off x="504000" y="1326600"/>
+            <a:ext cx="4426920" cy="3288600"/>
           </a:xfrm>
           <a:prstGeom prst="rect">
             <a:avLst/>
@@ -6620,8 +6627,8 @@
         </p:nvSpPr>
         <p:spPr>
           <a:xfrm>
-            <a:off x="5151960" y="1326240"/>
-            <a:ext cx="4426560" cy="1568160"/>
+            <a:off x="5152680" y="1326600"/>
+            <a:ext cx="4426920" cy="1568520"/>
           </a:xfrm>
           <a:prstGeom prst="rect">
             <a:avLst/>
@@ -6650,8 +6657,8 @@
         </p:nvSpPr>
         <p:spPr>
           <a:xfrm>
-            <a:off x="5151960" y="3043800"/>
-            <a:ext cx="4426560" cy="1568160"/>
+            <a:off x="5152680" y="3044520"/>
+            <a:ext cx="4426920" cy="1568520"/>
           </a:xfrm>
           <a:prstGeom prst="rect">
             <a:avLst/>
@@ -6702,8 +6709,8 @@
         </p:nvSpPr>
         <p:spPr>
           <a:xfrm>
-            <a:off x="503640" y="225720"/>
-            <a:ext cx="9071280" cy="946440"/>
+            <a:off x="504000" y="226080"/>
+            <a:ext cx="9072000" cy="946440"/>
           </a:xfrm>
           <a:prstGeom prst="rect">
             <a:avLst/>
@@ -6733,8 +6740,8 @@
         </p:nvSpPr>
         <p:spPr>
           <a:xfrm>
-            <a:off x="503640" y="1326240"/>
-            <a:ext cx="4426560" cy="1568160"/>
+            <a:off x="504000" y="1326600"/>
+            <a:ext cx="4426920" cy="1568520"/>
           </a:xfrm>
           <a:prstGeom prst="rect">
             <a:avLst/>
@@ -6763,8 +6770,8 @@
         </p:nvSpPr>
         <p:spPr>
           <a:xfrm>
-            <a:off x="5151960" y="1326240"/>
-            <a:ext cx="4426560" cy="1568160"/>
+            <a:off x="5152680" y="1326600"/>
+            <a:ext cx="4426920" cy="1568520"/>
           </a:xfrm>
           <a:prstGeom prst="rect">
             <a:avLst/>
@@ -6793,8 +6800,8 @@
         </p:nvSpPr>
         <p:spPr>
           <a:xfrm>
-            <a:off x="503640" y="3043800"/>
-            <a:ext cx="9071280" cy="1568160"/>
+            <a:off x="504000" y="3044520"/>
+            <a:ext cx="9072000" cy="1568520"/>
           </a:xfrm>
           <a:prstGeom prst="rect">
             <a:avLst/>
@@ -6842,7 +6849,7 @@
         <p:spPr>
           <a:xfrm>
             <a:off x="360" y="3779280"/>
-            <a:ext cx="10078200" cy="1888560"/>
+            <a:ext cx="10077480" cy="1887840"/>
           </a:xfrm>
           <a:prstGeom prst="rect">
             <a:avLst/>
@@ -6883,8 +6890,8 @@
         </p:nvSpPr>
         <p:spPr>
           <a:xfrm>
-            <a:off x="503640" y="225720"/>
-            <a:ext cx="9071280" cy="946440"/>
+            <a:off x="504000" y="226080"/>
+            <a:ext cx="9072000" cy="946440"/>
           </a:xfrm>
           <a:prstGeom prst="rect">
             <a:avLst/>
@@ -6900,13 +6907,7 @@
               <a:rPr b="0" lang="es-MX" sz="4400" spc="-1" strike="noStrike">
                 <a:latin typeface="Arial"/>
               </a:rPr>
-              <a:t>Pulse para editar el formato del </a:t>
-            </a:r>
-            <a:r>
-              <a:rPr b="0" lang="es-MX" sz="4400" spc="-1" strike="noStrike">
-                <a:latin typeface="Arial"/>
-              </a:rPr>
-              <a:t>texto de título</a:t>
+              <a:t>Pulse para editar el formato del texto de título</a:t>
             </a:r>
             <a:endParaRPr b="0" lang="es-MX" sz="4400" spc="-1" strike="noStrike">
               <a:latin typeface="Arial"/>
@@ -6926,8 +6927,8 @@
         </p:nvSpPr>
         <p:spPr>
           <a:xfrm>
-            <a:off x="503640" y="1326240"/>
-            <a:ext cx="9071280" cy="3288240"/>
+            <a:off x="504000" y="1326600"/>
+            <a:ext cx="9072000" cy="3288600"/>
           </a:xfrm>
           <a:prstGeom prst="rect">
             <a:avLst/>
@@ -6935,12 +6936,12 @@
         </p:spPr>
         <p:txBody>
           <a:bodyPr lIns="0" rIns="0" tIns="0" bIns="0">
-            <a:normAutofit fontScale="94000"/>
+            <a:normAutofit/>
           </a:bodyPr>
           <a:p>
             <a:pPr marL="432000" indent="-324000">
               <a:spcBef>
-                <a:spcPts val="1414"/>
+                <a:spcPts val="1417"/>
               </a:spcBef>
               <a:buClr>
                 <a:srgbClr val="000000"/>
@@ -6962,7 +6963,7 @@
           <a:p>
             <a:pPr lvl="1" marL="864000" indent="-324000">
               <a:spcBef>
-                <a:spcPts val="1131"/>
+                <a:spcPts val="1134"/>
               </a:spcBef>
               <a:buClr>
                 <a:srgbClr val="000000"/>
@@ -6984,7 +6985,7 @@
           <a:p>
             <a:pPr lvl="2" marL="1296000" indent="-288000">
               <a:spcBef>
-                <a:spcPts val="848"/>
+                <a:spcPts val="850"/>
               </a:spcBef>
               <a:buClr>
                 <a:srgbClr val="000000"/>
@@ -7006,7 +7007,7 @@
           <a:p>
             <a:pPr lvl="3" marL="1728000" indent="-216000">
               <a:spcBef>
-                <a:spcPts val="564"/>
+                <a:spcPts val="567"/>
               </a:spcBef>
               <a:buClr>
                 <a:srgbClr val="000000"/>
@@ -7028,7 +7029,7 @@
           <a:p>
             <a:pPr lvl="4" marL="2160000" indent="-216000">
               <a:spcBef>
-                <a:spcPts val="281"/>
+                <a:spcPts val="283"/>
               </a:spcBef>
               <a:buClr>
                 <a:srgbClr val="000000"/>
@@ -7050,7 +7051,7 @@
           <a:p>
             <a:pPr lvl="5" marL="2592000" indent="-216000">
               <a:spcBef>
-                <a:spcPts val="281"/>
+                <a:spcPts val="283"/>
               </a:spcBef>
               <a:buClr>
                 <a:srgbClr val="000000"/>
@@ -7072,7 +7073,7 @@
           <a:p>
             <a:pPr lvl="6" marL="3024000" indent="-216000">
               <a:spcBef>
-                <a:spcPts val="281"/>
+                <a:spcPts val="283"/>
               </a:spcBef>
               <a:buClr>
                 <a:srgbClr val="000000"/>
@@ -7146,8 +7147,8 @@
         </p:nvSpPr>
         <p:spPr>
           <a:xfrm flipV="1">
-            <a:off x="360" y="-1080"/>
-            <a:ext cx="10078200" cy="1078920"/>
+            <a:off x="360" y="-1800"/>
+            <a:ext cx="10077480" cy="1078200"/>
           </a:xfrm>
           <a:prstGeom prst="rect">
             <a:avLst/>
@@ -7188,8 +7189,8 @@
         </p:nvSpPr>
         <p:spPr>
           <a:xfrm>
-            <a:off x="503640" y="225720"/>
-            <a:ext cx="9071280" cy="946440"/>
+            <a:off x="504000" y="226080"/>
+            <a:ext cx="9072000" cy="946440"/>
           </a:xfrm>
           <a:prstGeom prst="rect">
             <a:avLst/>
@@ -7225,8 +7226,8 @@
         </p:nvSpPr>
         <p:spPr>
           <a:xfrm>
-            <a:off x="503640" y="1326240"/>
-            <a:ext cx="9071280" cy="3288240"/>
+            <a:off x="504000" y="1326600"/>
+            <a:ext cx="9072000" cy="3288600"/>
           </a:xfrm>
           <a:prstGeom prst="rect">
             <a:avLst/>
@@ -7239,7 +7240,7 @@
           <a:p>
             <a:pPr marL="432000" indent="-324000">
               <a:spcBef>
-                <a:spcPts val="1414"/>
+                <a:spcPts val="1417"/>
               </a:spcBef>
               <a:buClr>
                 <a:srgbClr val="000000"/>
@@ -7261,7 +7262,7 @@
           <a:p>
             <a:pPr lvl="1" marL="864000" indent="-324000">
               <a:spcBef>
-                <a:spcPts val="1131"/>
+                <a:spcPts val="1134"/>
               </a:spcBef>
               <a:buClr>
                 <a:srgbClr val="000000"/>
@@ -7283,7 +7284,7 @@
           <a:p>
             <a:pPr lvl="2" marL="1296000" indent="-288000">
               <a:spcBef>
-                <a:spcPts val="848"/>
+                <a:spcPts val="850"/>
               </a:spcBef>
               <a:buClr>
                 <a:srgbClr val="000000"/>
@@ -7305,7 +7306,7 @@
           <a:p>
             <a:pPr lvl="3" marL="1728000" indent="-216000">
               <a:spcBef>
-                <a:spcPts val="564"/>
+                <a:spcPts val="567"/>
               </a:spcBef>
               <a:buClr>
                 <a:srgbClr val="000000"/>
@@ -7327,7 +7328,7 @@
           <a:p>
             <a:pPr lvl="4" marL="2160000" indent="-216000">
               <a:spcBef>
-                <a:spcPts val="281"/>
+                <a:spcPts val="283"/>
               </a:spcBef>
               <a:buClr>
                 <a:srgbClr val="000000"/>
@@ -7349,7 +7350,7 @@
           <a:p>
             <a:pPr lvl="5" marL="2592000" indent="-216000">
               <a:spcBef>
-                <a:spcPts val="281"/>
+                <a:spcPts val="283"/>
               </a:spcBef>
               <a:buClr>
                 <a:srgbClr val="000000"/>
@@ -7371,7 +7372,7 @@
           <a:p>
             <a:pPr lvl="6" marL="3024000" indent="-216000">
               <a:spcBef>
-                <a:spcPts val="281"/>
+                <a:spcPts val="283"/>
               </a:spcBef>
               <a:buClr>
                 <a:srgbClr val="000000"/>
@@ -7445,8 +7446,8 @@
         </p:nvSpPr>
         <p:spPr>
           <a:xfrm flipV="1">
-            <a:off x="360" y="-1080"/>
-            <a:ext cx="10078200" cy="1078920"/>
+            <a:off x="360" y="-1800"/>
+            <a:ext cx="10077480" cy="1078200"/>
           </a:xfrm>
           <a:prstGeom prst="rect">
             <a:avLst/>
@@ -7487,8 +7488,8 @@
         </p:nvSpPr>
         <p:spPr>
           <a:xfrm>
-            <a:off x="503640" y="225720"/>
-            <a:ext cx="9071280" cy="946440"/>
+            <a:off x="504000" y="226080"/>
+            <a:ext cx="9072000" cy="946440"/>
           </a:xfrm>
           <a:prstGeom prst="rect">
             <a:avLst/>
@@ -7524,8 +7525,8 @@
         </p:nvSpPr>
         <p:spPr>
           <a:xfrm>
-            <a:off x="503640" y="1326240"/>
-            <a:ext cx="9071280" cy="3288240"/>
+            <a:off x="504000" y="1326600"/>
+            <a:ext cx="9072000" cy="3288600"/>
           </a:xfrm>
           <a:prstGeom prst="rect">
             <a:avLst/>
@@ -7538,7 +7539,7 @@
           <a:p>
             <a:pPr marL="432000" indent="-324000">
               <a:spcBef>
-                <a:spcPts val="1414"/>
+                <a:spcPts val="1417"/>
               </a:spcBef>
               <a:buClr>
                 <a:srgbClr val="000000"/>
@@ -7560,7 +7561,7 @@
           <a:p>
             <a:pPr lvl="1" marL="864000" indent="-324000">
               <a:spcBef>
-                <a:spcPts val="1131"/>
+                <a:spcPts val="1134"/>
               </a:spcBef>
               <a:buClr>
                 <a:srgbClr val="000000"/>
@@ -7582,7 +7583,7 @@
           <a:p>
             <a:pPr lvl="2" marL="1296000" indent="-288000">
               <a:spcBef>
-                <a:spcPts val="848"/>
+                <a:spcPts val="850"/>
               </a:spcBef>
               <a:buClr>
                 <a:srgbClr val="000000"/>
@@ -7604,7 +7605,7 @@
           <a:p>
             <a:pPr lvl="3" marL="1728000" indent="-216000">
               <a:spcBef>
-                <a:spcPts val="564"/>
+                <a:spcPts val="567"/>
               </a:spcBef>
               <a:buClr>
                 <a:srgbClr val="000000"/>
@@ -7626,7 +7627,7 @@
           <a:p>
             <a:pPr lvl="4" marL="2160000" indent="-216000">
               <a:spcBef>
-                <a:spcPts val="281"/>
+                <a:spcPts val="283"/>
               </a:spcBef>
               <a:buClr>
                 <a:srgbClr val="000000"/>
@@ -7648,7 +7649,7 @@
           <a:p>
             <a:pPr lvl="5" marL="2592000" indent="-216000">
               <a:spcBef>
-                <a:spcPts val="281"/>
+                <a:spcPts val="283"/>
               </a:spcBef>
               <a:buClr>
                 <a:srgbClr val="000000"/>
@@ -7670,7 +7671,7 @@
           <a:p>
             <a:pPr lvl="6" marL="3024000" indent="-216000">
               <a:spcBef>
-                <a:spcPts val="281"/>
+                <a:spcPts val="283"/>
               </a:spcBef>
               <a:buClr>
                 <a:srgbClr val="000000"/>
@@ -7744,8 +7745,8 @@
         </p:nvSpPr>
         <p:spPr>
           <a:xfrm flipV="1">
-            <a:off x="360" y="-1080"/>
-            <a:ext cx="10078200" cy="1078920"/>
+            <a:off x="360" y="-1800"/>
+            <a:ext cx="10077480" cy="1078200"/>
           </a:xfrm>
           <a:prstGeom prst="rect">
             <a:avLst/>
@@ -7786,8 +7787,8 @@
         </p:nvSpPr>
         <p:spPr>
           <a:xfrm>
-            <a:off x="503640" y="225720"/>
-            <a:ext cx="9071280" cy="946440"/>
+            <a:off x="504000" y="226080"/>
+            <a:ext cx="9072000" cy="946440"/>
           </a:xfrm>
           <a:prstGeom prst="rect">
             <a:avLst/>
@@ -7803,13 +7804,7 @@
               <a:rPr b="0" lang="es-MX" sz="4400" spc="-1" strike="noStrike">
                 <a:latin typeface="Arial"/>
               </a:rPr>
-              <a:t>Pulse para editar el formato del </a:t>
-            </a:r>
-            <a:r>
-              <a:rPr b="0" lang="es-MX" sz="4400" spc="-1" strike="noStrike">
-                <a:latin typeface="Arial"/>
-              </a:rPr>
-              <a:t>texto de título</a:t>
+              <a:t>Pulse para editar el formato del texto de título</a:t>
             </a:r>
             <a:endParaRPr b="0" lang="es-MX" sz="4400" spc="-1" strike="noStrike">
               <a:latin typeface="Arial"/>
@@ -7829,8 +7824,8 @@
         </p:nvSpPr>
         <p:spPr>
           <a:xfrm>
-            <a:off x="503640" y="1326240"/>
-            <a:ext cx="9071280" cy="3288240"/>
+            <a:off x="504000" y="1326600"/>
+            <a:ext cx="9072000" cy="3288600"/>
           </a:xfrm>
           <a:prstGeom prst="rect">
             <a:avLst/>
@@ -7843,7 +7838,7 @@
           <a:p>
             <a:pPr marL="432000" indent="-324000">
               <a:spcBef>
-                <a:spcPts val="1414"/>
+                <a:spcPts val="1417"/>
               </a:spcBef>
               <a:buClr>
                 <a:srgbClr val="000000"/>
@@ -7865,7 +7860,7 @@
           <a:p>
             <a:pPr lvl="1" marL="864000" indent="-324000">
               <a:spcBef>
-                <a:spcPts val="1131"/>
+                <a:spcPts val="1134"/>
               </a:spcBef>
               <a:buClr>
                 <a:srgbClr val="000000"/>
@@ -7887,7 +7882,7 @@
           <a:p>
             <a:pPr lvl="2" marL="1296000" indent="-288000">
               <a:spcBef>
-                <a:spcPts val="848"/>
+                <a:spcPts val="850"/>
               </a:spcBef>
               <a:buClr>
                 <a:srgbClr val="000000"/>
@@ -7909,7 +7904,7 @@
           <a:p>
             <a:pPr lvl="3" marL="1728000" indent="-216000">
               <a:spcBef>
-                <a:spcPts val="564"/>
+                <a:spcPts val="567"/>
               </a:spcBef>
               <a:buClr>
                 <a:srgbClr val="000000"/>
@@ -7931,7 +7926,7 @@
           <a:p>
             <a:pPr lvl="4" marL="2160000" indent="-216000">
               <a:spcBef>
-                <a:spcPts val="281"/>
+                <a:spcPts val="283"/>
               </a:spcBef>
               <a:buClr>
                 <a:srgbClr val="000000"/>
@@ -7953,7 +7948,7 @@
           <a:p>
             <a:pPr lvl="5" marL="2592000" indent="-216000">
               <a:spcBef>
-                <a:spcPts val="281"/>
+                <a:spcPts val="283"/>
               </a:spcBef>
               <a:buClr>
                 <a:srgbClr val="000000"/>
@@ -7975,7 +7970,7 @@
           <a:p>
             <a:pPr lvl="6" marL="3024000" indent="-216000">
               <a:spcBef>
-                <a:spcPts val="281"/>
+                <a:spcPts val="283"/>
               </a:spcBef>
               <a:buClr>
                 <a:srgbClr val="000000"/>
@@ -8041,8 +8036,8 @@
         </p:nvSpPr>
         <p:spPr>
           <a:xfrm flipV="1">
-            <a:off x="360" y="-1080"/>
-            <a:ext cx="10078200" cy="178920"/>
+            <a:off x="360" y="-1800"/>
+            <a:ext cx="10077480" cy="178200"/>
           </a:xfrm>
           <a:prstGeom prst="rect">
             <a:avLst/>
@@ -8080,7 +8075,7 @@
         <p:spPr>
           <a:xfrm>
             <a:off x="360" y="5579280"/>
-            <a:ext cx="10078200" cy="88920"/>
+            <a:ext cx="10077480" cy="88200"/>
           </a:xfrm>
           <a:prstGeom prst="rect">
             <a:avLst/>
@@ -8121,8 +8116,8 @@
         </p:nvSpPr>
         <p:spPr>
           <a:xfrm>
-            <a:off x="503640" y="225720"/>
-            <a:ext cx="9071280" cy="946440"/>
+            <a:off x="504000" y="226080"/>
+            <a:ext cx="9072000" cy="946440"/>
           </a:xfrm>
           <a:prstGeom prst="rect">
             <a:avLst/>
@@ -8158,8 +8153,8 @@
         </p:nvSpPr>
         <p:spPr>
           <a:xfrm>
-            <a:off x="503640" y="1326240"/>
-            <a:ext cx="9071280" cy="3288240"/>
+            <a:off x="504000" y="1326600"/>
+            <a:ext cx="9072000" cy="3288600"/>
           </a:xfrm>
           <a:prstGeom prst="rect">
             <a:avLst/>
@@ -8172,7 +8167,7 @@
           <a:p>
             <a:pPr marL="432000" indent="-324000">
               <a:spcBef>
-                <a:spcPts val="1414"/>
+                <a:spcPts val="1417"/>
               </a:spcBef>
               <a:buClr>
                 <a:srgbClr val="000000"/>
@@ -8194,7 +8189,7 @@
           <a:p>
             <a:pPr lvl="1" marL="864000" indent="-324000">
               <a:spcBef>
-                <a:spcPts val="1131"/>
+                <a:spcPts val="1134"/>
               </a:spcBef>
               <a:buClr>
                 <a:srgbClr val="000000"/>
@@ -8216,7 +8211,7 @@
           <a:p>
             <a:pPr lvl="2" marL="1296000" indent="-288000">
               <a:spcBef>
-                <a:spcPts val="848"/>
+                <a:spcPts val="850"/>
               </a:spcBef>
               <a:buClr>
                 <a:srgbClr val="000000"/>
@@ -8238,7 +8233,7 @@
           <a:p>
             <a:pPr lvl="3" marL="1728000" indent="-216000">
               <a:spcBef>
-                <a:spcPts val="564"/>
+                <a:spcPts val="567"/>
               </a:spcBef>
               <a:buClr>
                 <a:srgbClr val="000000"/>
@@ -8260,7 +8255,7 @@
           <a:p>
             <a:pPr lvl="4" marL="2160000" indent="-216000">
               <a:spcBef>
-                <a:spcPts val="281"/>
+                <a:spcPts val="283"/>
               </a:spcBef>
               <a:buClr>
                 <a:srgbClr val="000000"/>
@@ -8282,7 +8277,7 @@
           <a:p>
             <a:pPr lvl="5" marL="2592000" indent="-216000">
               <a:spcBef>
-                <a:spcPts val="281"/>
+                <a:spcPts val="283"/>
               </a:spcBef>
               <a:buClr>
                 <a:srgbClr val="000000"/>
@@ -8304,7 +8299,7 @@
           <a:p>
             <a:pPr lvl="6" marL="3024000" indent="-216000">
               <a:spcBef>
-                <a:spcPts val="281"/>
+                <a:spcPts val="283"/>
               </a:spcBef>
               <a:buClr>
                 <a:srgbClr val="000000"/>
@@ -8371,7 +8366,7 @@
         <p:spPr>
           <a:xfrm>
             <a:off x="503640" y="225720"/>
-            <a:ext cx="9070560" cy="945720"/>
+            <a:ext cx="9069840" cy="945000"/>
           </a:xfrm>
           <a:prstGeom prst="rect">
             <a:avLst/>
@@ -8399,7 +8394,11 @@
             </a:pPr>
             <a:r>
               <a:rPr b="0" lang="es-MX" sz="4400" spc="-1" strike="noStrike">
+                <a:solidFill>
+                  <a:srgbClr val="000000"/>
+                </a:solidFill>
                 <a:latin typeface="Arial"/>
+                <a:ea typeface="DejaVu Sans"/>
               </a:rPr>
               <a:t>U2 Variables Aleatorias</a:t>
             </a:r>
@@ -8418,7 +8417,7 @@
         <p:spPr>
           <a:xfrm>
             <a:off x="539640" y="4139280"/>
-            <a:ext cx="8818920" cy="888480"/>
+            <a:ext cx="8818200" cy="887760"/>
           </a:xfrm>
           <a:prstGeom prst="rect">
             <a:avLst/>
@@ -8507,7 +8506,7 @@
         <p:spPr>
           <a:xfrm>
             <a:off x="502560" y="90360"/>
-            <a:ext cx="9069840" cy="945720"/>
+            <a:ext cx="9069120" cy="945000"/>
           </a:xfrm>
           <a:prstGeom prst="rect">
             <a:avLst/>
@@ -8562,7 +8561,7 @@
         <p:spPr>
           <a:xfrm>
             <a:off x="618120" y="1439640"/>
-            <a:ext cx="8919720" cy="3428640"/>
+            <a:ext cx="8919000" cy="3427920"/>
           </a:xfrm>
           <a:prstGeom prst="rect">
             <a:avLst/>
@@ -8619,7 +8618,7 @@
         <p:spPr>
           <a:xfrm>
             <a:off x="502560" y="90360"/>
-            <a:ext cx="9069840" cy="945720"/>
+            <a:ext cx="9069120" cy="945000"/>
           </a:xfrm>
           <a:prstGeom prst="rect">
             <a:avLst/>
@@ -8670,7 +8669,7 @@
         <p:spPr>
           <a:xfrm>
             <a:off x="179640" y="1079640"/>
-            <a:ext cx="9718200" cy="1078920"/>
+            <a:ext cx="9717480" cy="1078200"/>
           </a:xfrm>
           <a:prstGeom prst="rect">
             <a:avLst/>
@@ -8725,7 +8724,7 @@
         <p:spPr>
           <a:xfrm>
             <a:off x="179640" y="2159640"/>
-            <a:ext cx="9538200" cy="2892240"/>
+            <a:ext cx="9537480" cy="2891520"/>
           </a:xfrm>
           <a:prstGeom prst="rect">
             <a:avLst/>
@@ -8782,7 +8781,7 @@
         <p:spPr>
           <a:xfrm>
             <a:off x="502560" y="90360"/>
-            <a:ext cx="9069840" cy="945720"/>
+            <a:ext cx="9069120" cy="945000"/>
           </a:xfrm>
           <a:prstGeom prst="rect">
             <a:avLst/>
@@ -8837,7 +8836,7 @@
         <p:spPr>
           <a:xfrm>
             <a:off x="539640" y="1293840"/>
-            <a:ext cx="9070920" cy="4181760"/>
+            <a:ext cx="9070200" cy="4181040"/>
           </a:xfrm>
           <a:prstGeom prst="rect">
             <a:avLst/>
@@ -8894,7 +8893,7 @@
         <p:spPr>
           <a:xfrm>
             <a:off x="502560" y="90360"/>
-            <a:ext cx="9069840" cy="945720"/>
+            <a:ext cx="9069120" cy="945000"/>
           </a:xfrm>
           <a:prstGeom prst="rect">
             <a:avLst/>
@@ -8945,7 +8944,7 @@
         <p:spPr>
           <a:xfrm>
             <a:off x="179640" y="1230480"/>
-            <a:ext cx="9718200" cy="1694520"/>
+            <a:ext cx="9717480" cy="1693800"/>
           </a:xfrm>
           <a:prstGeom prst="rect">
             <a:avLst/>
@@ -9020,7 +9019,7 @@
         <p:spPr>
           <a:xfrm>
             <a:off x="599400" y="2926080"/>
-            <a:ext cx="8758440" cy="2594520"/>
+            <a:ext cx="8757720" cy="2593800"/>
           </a:xfrm>
           <a:prstGeom prst="rect">
             <a:avLst/>
@@ -9077,7 +9076,7 @@
         <p:spPr>
           <a:xfrm>
             <a:off x="502560" y="90360"/>
-            <a:ext cx="9069840" cy="945720"/>
+            <a:ext cx="9069120" cy="945000"/>
           </a:xfrm>
           <a:prstGeom prst="rect">
             <a:avLst/>
@@ -9139,7 +9138,7 @@
         <p:spPr>
           <a:xfrm>
             <a:off x="362520" y="1190520"/>
-            <a:ext cx="8998200" cy="720720"/>
+            <a:ext cx="8997480" cy="720000"/>
           </a:xfrm>
           <a:prstGeom prst="rect">
             <a:avLst/>
@@ -9194,7 +9193,7 @@
         <p:spPr>
           <a:xfrm>
             <a:off x="179640" y="2159640"/>
-            <a:ext cx="9538200" cy="1338120"/>
+            <a:ext cx="9537480" cy="1337400"/>
           </a:xfrm>
           <a:prstGeom prst="rect">
             <a:avLst/>
@@ -9251,7 +9250,7 @@
         <p:spPr>
           <a:xfrm>
             <a:off x="502560" y="90360"/>
-            <a:ext cx="9069840" cy="945720"/>
+            <a:ext cx="9069120" cy="945000"/>
           </a:xfrm>
           <a:prstGeom prst="rect">
             <a:avLst/>
@@ -9317,7 +9316,7 @@
         <p:spPr>
           <a:xfrm>
             <a:off x="359640" y="1233720"/>
-            <a:ext cx="9358200" cy="3804480"/>
+            <a:ext cx="9357480" cy="3803760"/>
           </a:xfrm>
           <a:prstGeom prst="rect">
             <a:avLst/>
@@ -9374,7 +9373,7 @@
         <p:spPr>
           <a:xfrm>
             <a:off x="502560" y="90360"/>
-            <a:ext cx="9069840" cy="945720"/>
+            <a:ext cx="9069120" cy="945000"/>
           </a:xfrm>
           <a:prstGeom prst="rect">
             <a:avLst/>
@@ -9441,7 +9440,7 @@
         <p:spPr>
           <a:xfrm>
             <a:off x="315360" y="1283760"/>
-            <a:ext cx="9178200" cy="2494080"/>
+            <a:ext cx="9177480" cy="2493360"/>
           </a:xfrm>
           <a:prstGeom prst="rect">
             <a:avLst/>
@@ -9460,7 +9459,7 @@
         <p:spPr>
           <a:xfrm>
             <a:off x="359640" y="3943800"/>
-            <a:ext cx="9178200" cy="734400"/>
+            <a:ext cx="9177480" cy="733680"/>
           </a:xfrm>
           <a:prstGeom prst="rect">
             <a:avLst/>
@@ -9669,7 +9668,7 @@
         <p:spPr>
           <a:xfrm>
             <a:off x="502560" y="90360"/>
-            <a:ext cx="9069840" cy="945720"/>
+            <a:ext cx="9069120" cy="945000"/>
           </a:xfrm>
           <a:prstGeom prst="rect">
             <a:avLst/>
@@ -9735,7 +9734,7 @@
         <p:spPr>
           <a:xfrm>
             <a:off x="1623960" y="1002240"/>
-            <a:ext cx="6778800" cy="4588200"/>
+            <a:ext cx="6778080" cy="4587480"/>
           </a:xfrm>
           <a:prstGeom prst="rect">
             <a:avLst/>
@@ -9792,7 +9791,7 @@
         <p:spPr>
           <a:xfrm>
             <a:off x="502560" y="90360"/>
-            <a:ext cx="9069840" cy="945720"/>
+            <a:ext cx="9069120" cy="945000"/>
           </a:xfrm>
           <a:prstGeom prst="rect">
             <a:avLst/>
@@ -9810,7 +9809,7 @@
         </p:style>
         <p:txBody>
           <a:bodyPr lIns="0" rIns="0" tIns="0" bIns="0" anchor="b">
-            <a:normAutofit fontScale="59000"/>
+            <a:normAutofit fontScale="20000"/>
           </a:bodyPr>
           <a:p>
             <a:pPr>
@@ -9826,7 +9825,18 @@
                 <a:latin typeface="Source Sans Pro Light"/>
                 <a:ea typeface="DejaVu Sans"/>
               </a:rPr>
-              <a:t>II.C Valor esperado de una variable aleatoria</a:t>
+              <a:t>DISTRIBUCIÓN DE PROBABILIDAD DE UNA VARIABLE</a:t>
+            </a:r>
+            <a:br/>
+            <a:r>
+              <a:rPr b="0" lang="de-AT" sz="4500" spc="-1" strike="noStrike">
+                <a:solidFill>
+                  <a:srgbClr val="ffffff"/>
+                </a:solidFill>
+                <a:latin typeface="Source Sans Pro Light"/>
+                <a:ea typeface="DejaVu Sans"/>
+              </a:rPr>
+              <a:t>ALEATORIA DISCRETA</a:t>
             </a:r>
             <a:endParaRPr b="0" lang="es-MX" sz="4500" spc="-1" strike="noStrike">
               <a:latin typeface="Arial"/>
@@ -9834,117 +9844,29 @@
           </a:p>
         </p:txBody>
       </p:sp>
-      <p:sp>
-        <p:nvSpPr>
-          <p:cNvPr id="262" name="CustomShape 2"/>
-          <p:cNvSpPr/>
+      <p:pic>
+        <p:nvPicPr>
+          <p:cNvPr id="262" name="" descr=""/>
+          <p:cNvPicPr/>
           <p:nvPr/>
-        </p:nvSpPr>
-        <p:spPr>
-          <a:xfrm>
-            <a:off x="429120" y="1220400"/>
-            <a:ext cx="9288720" cy="2993400"/>
-          </a:xfrm>
-          <a:prstGeom prst="rect">
-            <a:avLst/>
-          </a:prstGeom>
-          <a:noFill/>
-          <a:ln w="18000">
+        </p:nvPicPr>
+        <p:blipFill>
+          <a:blip r:embed="rId2"/>
+          <a:stretch/>
+        </p:blipFill>
+        <p:spPr>
+          <a:xfrm>
+            <a:off x="962280" y="1200600"/>
+            <a:ext cx="8037360" cy="4199040"/>
+          </a:xfrm>
+          <a:prstGeom prst="rect">
+            <a:avLst/>
+          </a:prstGeom>
+          <a:ln w="0">
             <a:noFill/>
           </a:ln>
         </p:spPr>
-        <p:style>
-          <a:lnRef idx="0"/>
-          <a:fillRef idx="0"/>
-          <a:effectRef idx="0"/>
-          <a:fontRef idx="minor"/>
-        </p:style>
-        <p:txBody>
-          <a:bodyPr lIns="36000" rIns="36000" tIns="36000" bIns="36000" anchor="ctr">
-            <a:noAutofit/>
-          </a:bodyPr>
-          <a:p>
-            <a:pPr>
-              <a:lnSpc>
-                <a:spcPct val="100000"/>
-              </a:lnSpc>
-            </a:pPr>
-            <a:r>
-              <a:rPr b="1" lang="de-AT" sz="2200" spc="-1" strike="noStrike">
-                <a:solidFill>
-                  <a:srgbClr val="000000"/>
-                </a:solidFill>
-                <a:latin typeface="Source Sans Pro"/>
-                <a:ea typeface="DejaVu Sans"/>
-              </a:rPr>
-              <a:t>VALOR ESPERADO DE UNA VARIABLE ALEATORIA DISCRETA</a:t>
-            </a:r>
-            <a:endParaRPr b="0" lang="es-MX" sz="2200" spc="-1" strike="noStrike">
-              <a:latin typeface="Arial"/>
-            </a:endParaRPr>
-          </a:p>
-          <a:p>
-            <a:pPr>
-              <a:lnSpc>
-                <a:spcPct val="100000"/>
-              </a:lnSpc>
-            </a:pPr>
-            <a:endParaRPr b="0" lang="es-MX" sz="2200" spc="-1" strike="noStrike">
-              <a:latin typeface="Arial"/>
-            </a:endParaRPr>
-          </a:p>
-          <a:p>
-            <a:pPr>
-              <a:lnSpc>
-                <a:spcPct val="100000"/>
-              </a:lnSpc>
-            </a:pPr>
-            <a:r>
-              <a:rPr b="0" lang="de-AT" sz="2200" spc="-1" strike="noStrike">
-                <a:solidFill>
-                  <a:srgbClr val="000000"/>
-                </a:solidFill>
-                <a:latin typeface="Source Sans Pro"/>
-                <a:ea typeface="DejaVu Sans"/>
-              </a:rPr>
-              <a:t>El Valor Esperado o Media es una medida estadística que describe la tendencia central de una variable aleatoria. Podemos pensar que representa el valor promedio que tomaría la variable</a:t>
-            </a:r>
-            <a:endParaRPr b="0" lang="es-MX" sz="2200" spc="-1" strike="noStrike">
-              <a:latin typeface="Arial"/>
-            </a:endParaRPr>
-          </a:p>
-          <a:p>
-            <a:pPr>
-              <a:lnSpc>
-                <a:spcPct val="100000"/>
-              </a:lnSpc>
-            </a:pPr>
-            <a:r>
-              <a:rPr b="0" lang="de-AT" sz="2200" spc="-1" strike="noStrike">
-                <a:solidFill>
-                  <a:srgbClr val="000000"/>
-                </a:solidFill>
-                <a:latin typeface="Source Sans Pro"/>
-                <a:ea typeface="DejaVu Sans"/>
-              </a:rPr>
-              <a:t>aleatoria si el experimento se realizara un gran número de veces en condiciones similares.</a:t>
-            </a:r>
-            <a:endParaRPr b="0" lang="es-MX" sz="2200" spc="-1" strike="noStrike">
-              <a:latin typeface="Arial"/>
-            </a:endParaRPr>
-          </a:p>
-          <a:p>
-            <a:pPr>
-              <a:lnSpc>
-                <a:spcPct val="100000"/>
-              </a:lnSpc>
-            </a:pPr>
-            <a:endParaRPr b="0" lang="es-MX" sz="2200" spc="-1" strike="noStrike">
-              <a:latin typeface="Arial"/>
-            </a:endParaRPr>
-          </a:p>
-        </p:txBody>
-      </p:sp>
+      </p:pic>
     </p:spTree>
   </p:cSld>
   <mc:AlternateContent>
@@ -9992,7 +9914,7 @@
         <p:spPr>
           <a:xfrm>
             <a:off x="502560" y="90360"/>
-            <a:ext cx="9069840" cy="945720"/>
+            <a:ext cx="9069120" cy="945000"/>
           </a:xfrm>
           <a:prstGeom prst="rect">
             <a:avLst/>
@@ -10010,7 +9932,7 @@
         </p:style>
         <p:txBody>
           <a:bodyPr lIns="0" rIns="0" tIns="0" bIns="0" anchor="b">
-            <a:normAutofit fontScale="31000"/>
+            <a:normAutofit fontScale="59000"/>
           </a:bodyPr>
           <a:p>
             <a:pPr>
@@ -10019,14 +9941,14 @@
               </a:lnSpc>
             </a:pPr>
             <a:r>
-              <a:rPr b="1" lang="de-AT" sz="4500" spc="-1" strike="noStrike">
+              <a:rPr b="0" lang="de-AT" sz="4500" spc="-1" strike="noStrike">
                 <a:solidFill>
                   <a:srgbClr val="ffffff"/>
                 </a:solidFill>
                 <a:latin typeface="Source Sans Pro Light"/>
                 <a:ea typeface="DejaVu Sans"/>
               </a:rPr>
-              <a:t>VALOR ESPERADO DE UNA VARIABLE ALEATORIA DISCRETA</a:t>
+              <a:t>II.C Valor esperado de una variable aleatoria</a:t>
             </a:r>
             <a:endParaRPr b="0" lang="es-MX" sz="4500" spc="-1" strike="noStrike">
               <a:latin typeface="Arial"/>
@@ -10034,39 +9956,16 @@
           </a:p>
         </p:txBody>
       </p:sp>
-      <p:pic>
-        <p:nvPicPr>
-          <p:cNvPr id="264" name="" descr=""/>
-          <p:cNvPicPr/>
-          <p:nvPr/>
-        </p:nvPicPr>
-        <p:blipFill>
-          <a:blip r:embed="rId2"/>
-          <a:stretch/>
-        </p:blipFill>
-        <p:spPr>
-          <a:xfrm>
-            <a:off x="719640" y="1259640"/>
-            <a:ext cx="8640000" cy="2158560"/>
-          </a:xfrm>
-          <a:prstGeom prst="rect">
-            <a:avLst/>
-          </a:prstGeom>
-          <a:ln w="18000">
-            <a:noFill/>
-          </a:ln>
-        </p:spPr>
-      </p:pic>
-      <p:sp>
-        <p:nvSpPr>
-          <p:cNvPr id="265" name="CustomShape 2"/>
+      <p:sp>
+        <p:nvSpPr>
+          <p:cNvPr id="264" name="CustomShape 2"/>
           <p:cNvSpPr/>
           <p:nvPr/>
         </p:nvSpPr>
         <p:spPr>
           <a:xfrm>
-            <a:off x="539640" y="3526560"/>
-            <a:ext cx="9178200" cy="720720"/>
+            <a:off x="429120" y="1220400"/>
+            <a:ext cx="9288000" cy="2992680"/>
           </a:xfrm>
           <a:prstGeom prst="rect">
             <a:avLst/>
@@ -10086,6 +9985,36 @@
           <a:bodyPr lIns="36000" rIns="36000" tIns="36000" bIns="36000" anchor="ctr">
             <a:noAutofit/>
           </a:bodyPr>
+          <a:p>
+            <a:pPr>
+              <a:lnSpc>
+                <a:spcPct val="100000"/>
+              </a:lnSpc>
+            </a:pPr>
+            <a:r>
+              <a:rPr b="1" lang="de-AT" sz="2200" spc="-1" strike="noStrike">
+                <a:solidFill>
+                  <a:srgbClr val="000000"/>
+                </a:solidFill>
+                <a:latin typeface="Source Sans Pro"/>
+                <a:ea typeface="DejaVu Sans"/>
+              </a:rPr>
+              <a:t>VALOR ESPERADO DE UNA VARIABLE ALEATORIA DISCRETA</a:t>
+            </a:r>
+            <a:endParaRPr b="0" lang="es-MX" sz="2200" spc="-1" strike="noStrike">
+              <a:latin typeface="Arial"/>
+            </a:endParaRPr>
+          </a:p>
+          <a:p>
+            <a:pPr>
+              <a:lnSpc>
+                <a:spcPct val="100000"/>
+              </a:lnSpc>
+            </a:pPr>
+            <a:endParaRPr b="0" lang="es-MX" sz="2200" spc="-1" strike="noStrike">
+              <a:latin typeface="Arial"/>
+            </a:endParaRPr>
+          </a:p>
           <a:p>
             <a:pPr>
               <a:lnSpc>
@@ -10100,8 +10029,38 @@
                 <a:latin typeface="Source Sans Pro"/>
                 <a:ea typeface="DejaVu Sans"/>
               </a:rPr>
-              <a:t>La definición representa la suma de los valores de X ponderados con su valor de probabilidad.</a:t>
+              <a:t>El Valor Esperado o Media es una medida estadística que describe la tendencia central de una variable aleatoria. Podemos pensar que representa el valor promedio que tomaría la variable</a:t>
             </a:r>
+            <a:endParaRPr b="0" lang="es-MX" sz="2200" spc="-1" strike="noStrike">
+              <a:latin typeface="Arial"/>
+            </a:endParaRPr>
+          </a:p>
+          <a:p>
+            <a:pPr>
+              <a:lnSpc>
+                <a:spcPct val="100000"/>
+              </a:lnSpc>
+            </a:pPr>
+            <a:r>
+              <a:rPr b="0" lang="de-AT" sz="2200" spc="-1" strike="noStrike">
+                <a:solidFill>
+                  <a:srgbClr val="000000"/>
+                </a:solidFill>
+                <a:latin typeface="Source Sans Pro"/>
+                <a:ea typeface="DejaVu Sans"/>
+              </a:rPr>
+              <a:t>aleatoria si el experimento se realizara un gran número de veces en condiciones similares.</a:t>
+            </a:r>
+            <a:endParaRPr b="0" lang="es-MX" sz="2200" spc="-1" strike="noStrike">
+              <a:latin typeface="Arial"/>
+            </a:endParaRPr>
+          </a:p>
+          <a:p>
+            <a:pPr>
+              <a:lnSpc>
+                <a:spcPct val="100000"/>
+              </a:lnSpc>
+            </a:pPr>
             <a:endParaRPr b="0" lang="es-MX" sz="2200" spc="-1" strike="noStrike">
               <a:latin typeface="Arial"/>
             </a:endParaRPr>
@@ -10155,7 +10114,7 @@
         <p:spPr>
           <a:xfrm>
             <a:off x="502560" y="90360"/>
-            <a:ext cx="9069840" cy="945720"/>
+            <a:ext cx="9069120" cy="945000"/>
           </a:xfrm>
           <a:prstGeom prst="rect">
             <a:avLst/>
@@ -10206,7 +10165,7 @@
         <p:spPr>
           <a:xfrm>
             <a:off x="539640" y="1259640"/>
-            <a:ext cx="8998560" cy="3160800"/>
+            <a:ext cx="8997840" cy="3160080"/>
           </a:xfrm>
           <a:prstGeom prst="rect">
             <a:avLst/>
@@ -10421,7 +10380,7 @@
         <p:spPr>
           <a:xfrm>
             <a:off x="5246640" y="4116960"/>
-            <a:ext cx="331920" cy="303480"/>
+            <a:ext cx="331200" cy="302760"/>
           </a:xfrm>
           <a:prstGeom prst="rect">
             <a:avLst/>
@@ -10444,7 +10403,7 @@
         <p:spPr>
           <a:xfrm>
             <a:off x="550440" y="3702600"/>
-            <a:ext cx="408960" cy="332640"/>
+            <a:ext cx="408240" cy="331920"/>
           </a:xfrm>
           <a:prstGeom prst="rect">
             <a:avLst/>
@@ -10494,14 +10453,14 @@
       </p:grpSpPr>
       <p:sp>
         <p:nvSpPr>
-          <p:cNvPr id="266" name="CustomShape 1"/>
+          <p:cNvPr id="265" name="CustomShape 1"/>
           <p:cNvSpPr/>
           <p:nvPr/>
         </p:nvSpPr>
         <p:spPr>
           <a:xfrm>
             <a:off x="502560" y="90360"/>
-            <a:ext cx="9069840" cy="945720"/>
+            <a:ext cx="9069120" cy="945000"/>
           </a:xfrm>
           <a:prstGeom prst="rect">
             <a:avLst/>
@@ -10545,7 +10504,7 @@
       </p:sp>
       <p:pic>
         <p:nvPicPr>
-          <p:cNvPr id="267" name="" descr=""/>
+          <p:cNvPr id="266" name="" descr=""/>
           <p:cNvPicPr/>
           <p:nvPr/>
         </p:nvPicPr>
@@ -10555,8 +10514,8 @@
         </p:blipFill>
         <p:spPr>
           <a:xfrm>
-            <a:off x="379800" y="1274760"/>
-            <a:ext cx="8920080" cy="3972960"/>
+            <a:off x="719640" y="1259640"/>
+            <a:ext cx="8639280" cy="2157840"/>
           </a:xfrm>
           <a:prstGeom prst="rect">
             <a:avLst/>
@@ -10566,6 +10525,57 @@
           </a:ln>
         </p:spPr>
       </p:pic>
+      <p:sp>
+        <p:nvSpPr>
+          <p:cNvPr id="267" name="CustomShape 2"/>
+          <p:cNvSpPr/>
+          <p:nvPr/>
+        </p:nvSpPr>
+        <p:spPr>
+          <a:xfrm>
+            <a:off x="539640" y="3526560"/>
+            <a:ext cx="9177480" cy="720000"/>
+          </a:xfrm>
+          <a:prstGeom prst="rect">
+            <a:avLst/>
+          </a:prstGeom>
+          <a:noFill/>
+          <a:ln w="18000">
+            <a:noFill/>
+          </a:ln>
+        </p:spPr>
+        <p:style>
+          <a:lnRef idx="0"/>
+          <a:fillRef idx="0"/>
+          <a:effectRef idx="0"/>
+          <a:fontRef idx="minor"/>
+        </p:style>
+        <p:txBody>
+          <a:bodyPr lIns="36000" rIns="36000" tIns="36000" bIns="36000" anchor="ctr">
+            <a:noAutofit/>
+          </a:bodyPr>
+          <a:p>
+            <a:pPr>
+              <a:lnSpc>
+                <a:spcPct val="100000"/>
+              </a:lnSpc>
+            </a:pPr>
+            <a:r>
+              <a:rPr b="0" lang="de-AT" sz="2200" spc="-1" strike="noStrike">
+                <a:solidFill>
+                  <a:srgbClr val="000000"/>
+                </a:solidFill>
+                <a:latin typeface="Source Sans Pro"/>
+                <a:ea typeface="DejaVu Sans"/>
+              </a:rPr>
+              <a:t>La definición representa la suma de los valores de X ponderados con su valor de probabilidad.</a:t>
+            </a:r>
+            <a:endParaRPr b="0" lang="es-MX" sz="2200" spc="-1" strike="noStrike">
+              <a:latin typeface="Arial"/>
+            </a:endParaRPr>
+          </a:p>
+        </p:txBody>
+      </p:sp>
     </p:spTree>
   </p:cSld>
   <mc:AlternateContent>
@@ -10582,6 +10592,14 @@
 <file path=ppt/slides/slide21.xml><?xml version="1.0" encoding="utf-8"?>
 <p:sld xmlns:a="http://schemas.openxmlformats.org/drawingml/2006/main" xmlns:p="http://schemas.openxmlformats.org/presentationml/2006/main" xmlns:r="http://schemas.openxmlformats.org/officeDocument/2006/relationships" xmlns:p14="http://schemas.microsoft.com/office/powerpoint/2010/main" xmlns:p15="http://schemas.microsoft.com/office/powerpoint/2012/main" xmlns:mc="http://schemas.openxmlformats.org/markup-compatibility/2006">
   <p:cSld>
+    <p:bg>
+      <p:bgPr>
+        <a:blipFill rotWithShape="0">
+          <a:blip r:embed="rId1"/>
+          <a:stretch/>
+        </a:blipFill>
+      </p:bgPr>
+    </p:bg>
     <p:spTree>
       <p:nvGrpSpPr>
         <p:cNvPr id="1" name=""/>
@@ -10604,8 +10622,878 @@
         </p:nvSpPr>
         <p:spPr>
           <a:xfrm>
+            <a:off x="502560" y="90360"/>
+            <a:ext cx="9069120" cy="945000"/>
+          </a:xfrm>
+          <a:prstGeom prst="rect">
+            <a:avLst/>
+          </a:prstGeom>
+          <a:noFill/>
+          <a:ln w="0">
+            <a:noFill/>
+          </a:ln>
+        </p:spPr>
+        <p:style>
+          <a:lnRef idx="0"/>
+          <a:fillRef idx="0"/>
+          <a:effectRef idx="0"/>
+          <a:fontRef idx="minor"/>
+        </p:style>
+        <p:txBody>
+          <a:bodyPr lIns="0" rIns="0" tIns="0" bIns="0" anchor="b">
+            <a:normAutofit fontScale="59000"/>
+          </a:bodyPr>
+          <a:p>
+            <a:pPr>
+              <a:lnSpc>
+                <a:spcPct val="100000"/>
+              </a:lnSpc>
+            </a:pPr>
+            <a:r>
+              <a:rPr b="0" lang="de-AT" sz="4500" spc="-1" strike="noStrike">
+                <a:solidFill>
+                  <a:srgbClr val="ffffff"/>
+                </a:solidFill>
+                <a:latin typeface="Source Sans Pro Light"/>
+                <a:ea typeface="DejaVu Sans"/>
+              </a:rPr>
+              <a:t>VARIABLES ALEATORIAS DISCRETAS</a:t>
+            </a:r>
+            <a:endParaRPr b="0" lang="es-MX" sz="4500" spc="-1" strike="noStrike">
+              <a:latin typeface="Arial"/>
+            </a:endParaRPr>
+          </a:p>
+        </p:txBody>
+      </p:sp>
+      <p:pic>
+        <p:nvPicPr>
+          <p:cNvPr id="269" name="" descr=""/>
+          <p:cNvPicPr/>
+          <p:nvPr/>
+        </p:nvPicPr>
+        <p:blipFill>
+          <a:blip r:embed="rId2"/>
+          <a:stretch/>
+        </p:blipFill>
+        <p:spPr>
+          <a:xfrm>
+            <a:off x="539640" y="1293840"/>
+            <a:ext cx="9070200" cy="4181040"/>
+          </a:xfrm>
+          <a:prstGeom prst="rect">
+            <a:avLst/>
+          </a:prstGeom>
+          <a:ln w="18000">
+            <a:noFill/>
+          </a:ln>
+        </p:spPr>
+      </p:pic>
+    </p:spTree>
+  </p:cSld>
+  <mc:AlternateContent>
+    <mc:Choice Requires="p14">
+      <p:transition spd="slow" p14:dur="2000"/>
+    </mc:Choice>
+    <mc:Fallback>
+      <p:transition spd="slow"/>
+    </mc:Fallback>
+  </mc:AlternateContent>
+</p:sld>
+</file>
+
+<file path=ppt/slides/slide22.xml><?xml version="1.0" encoding="utf-8"?>
+<p:sld xmlns:a="http://schemas.openxmlformats.org/drawingml/2006/main" xmlns:p="http://schemas.openxmlformats.org/presentationml/2006/main" xmlns:r="http://schemas.openxmlformats.org/officeDocument/2006/relationships" xmlns:p14="http://schemas.microsoft.com/office/powerpoint/2010/main" xmlns:p15="http://schemas.microsoft.com/office/powerpoint/2012/main" xmlns:mc="http://schemas.openxmlformats.org/markup-compatibility/2006">
+  <p:cSld>
+    <p:bg>
+      <p:bgPr>
+        <a:blipFill rotWithShape="0">
+          <a:blip r:embed="rId1"/>
+          <a:stretch/>
+        </a:blipFill>
+      </p:bgPr>
+    </p:bg>
+    <p:spTree>
+      <p:nvGrpSpPr>
+        <p:cNvPr id="1" name=""/>
+        <p:cNvGrpSpPr/>
+        <p:nvPr/>
+      </p:nvGrpSpPr>
+      <p:grpSpPr>
+        <a:xfrm>
+          <a:off x="0" y="0"/>
+          <a:ext cx="0" cy="0"/>
+          <a:chOff x="0" y="0"/>
+          <a:chExt cx="0" cy="0"/>
+        </a:xfrm>
+      </p:grpSpPr>
+      <p:sp>
+        <p:nvSpPr>
+          <p:cNvPr id="270" name="CustomShape 1"/>
+          <p:cNvSpPr/>
+          <p:nvPr/>
+        </p:nvSpPr>
+        <p:spPr>
+          <a:xfrm>
+            <a:off x="502560" y="90360"/>
+            <a:ext cx="9069120" cy="945000"/>
+          </a:xfrm>
+          <a:prstGeom prst="rect">
+            <a:avLst/>
+          </a:prstGeom>
+          <a:noFill/>
+          <a:ln w="0">
+            <a:noFill/>
+          </a:ln>
+        </p:spPr>
+        <p:style>
+          <a:lnRef idx="0"/>
+          <a:fillRef idx="0"/>
+          <a:effectRef idx="0"/>
+          <a:fontRef idx="minor"/>
+        </p:style>
+        <p:txBody>
+          <a:bodyPr lIns="0" rIns="0" tIns="0" bIns="0" anchor="b">
+            <a:normAutofit fontScale="31000"/>
+          </a:bodyPr>
+          <a:p>
+            <a:pPr>
+              <a:lnSpc>
+                <a:spcPct val="100000"/>
+              </a:lnSpc>
+            </a:pPr>
+            <a:r>
+              <a:rPr b="1" lang="de-AT" sz="4500" spc="-1" strike="noStrike">
+                <a:solidFill>
+                  <a:srgbClr val="ffffff"/>
+                </a:solidFill>
+                <a:latin typeface="Source Sans Pro Light"/>
+                <a:ea typeface="DejaVu Sans"/>
+              </a:rPr>
+              <a:t>VALOR ESPERADO DE UNA VARIABLE ALEATORIA DISCRETA</a:t>
+            </a:r>
+            <a:endParaRPr b="0" lang="es-MX" sz="4500" spc="-1" strike="noStrike">
+              <a:latin typeface="Arial"/>
+            </a:endParaRPr>
+          </a:p>
+        </p:txBody>
+      </p:sp>
+      <p:pic>
+        <p:nvPicPr>
+          <p:cNvPr id="271" name="" descr=""/>
+          <p:cNvPicPr/>
+          <p:nvPr/>
+        </p:nvPicPr>
+        <p:blipFill>
+          <a:blip r:embed="rId2"/>
+          <a:stretch/>
+        </p:blipFill>
+        <p:spPr>
+          <a:xfrm>
+            <a:off x="379800" y="1274760"/>
+            <a:ext cx="8919360" cy="3972240"/>
+          </a:xfrm>
+          <a:prstGeom prst="rect">
+            <a:avLst/>
+          </a:prstGeom>
+          <a:ln w="18000">
+            <a:noFill/>
+          </a:ln>
+        </p:spPr>
+      </p:pic>
+    </p:spTree>
+  </p:cSld>
+  <mc:AlternateContent>
+    <mc:Choice Requires="p14">
+      <p:transition spd="slow" p14:dur="2000"/>
+    </mc:Choice>
+    <mc:Fallback>
+      <p:transition spd="slow"/>
+    </mc:Fallback>
+  </mc:AlternateContent>
+</p:sld>
+</file>
+
+<file path=ppt/slides/slide23.xml><?xml version="1.0" encoding="utf-8"?>
+<p:sld xmlns:a="http://schemas.openxmlformats.org/drawingml/2006/main" xmlns:p="http://schemas.openxmlformats.org/presentationml/2006/main" xmlns:r="http://schemas.openxmlformats.org/officeDocument/2006/relationships" xmlns:p14="http://schemas.microsoft.com/office/powerpoint/2010/main" xmlns:p15="http://schemas.microsoft.com/office/powerpoint/2012/main" xmlns:mc="http://schemas.openxmlformats.org/markup-compatibility/2006">
+  <p:cSld>
+    <p:bg>
+      <p:bgPr>
+        <a:blipFill rotWithShape="0">
+          <a:blip r:embed="rId1"/>
+          <a:stretch/>
+        </a:blipFill>
+      </p:bgPr>
+    </p:bg>
+    <p:spTree>
+      <p:nvGrpSpPr>
+        <p:cNvPr id="1" name=""/>
+        <p:cNvGrpSpPr/>
+        <p:nvPr/>
+      </p:nvGrpSpPr>
+      <p:grpSpPr>
+        <a:xfrm>
+          <a:off x="0" y="0"/>
+          <a:ext cx="0" cy="0"/>
+          <a:chOff x="0" y="0"/>
+          <a:chExt cx="0" cy="0"/>
+        </a:xfrm>
+      </p:grpSpPr>
+      <p:sp>
+        <p:nvSpPr>
+          <p:cNvPr id="272" name="CustomShape 1"/>
+          <p:cNvSpPr/>
+          <p:nvPr/>
+        </p:nvSpPr>
+        <p:spPr>
+          <a:xfrm>
+            <a:off x="502560" y="90360"/>
+            <a:ext cx="9069120" cy="945000"/>
+          </a:xfrm>
+          <a:prstGeom prst="rect">
+            <a:avLst/>
+          </a:prstGeom>
+          <a:noFill/>
+          <a:ln w="0">
+            <a:noFill/>
+          </a:ln>
+        </p:spPr>
+        <p:style>
+          <a:lnRef idx="0"/>
+          <a:fillRef idx="0"/>
+          <a:effectRef idx="0"/>
+          <a:fontRef idx="minor"/>
+        </p:style>
+        <p:txBody>
+          <a:bodyPr lIns="0" rIns="0" tIns="0" bIns="0" anchor="b">
+            <a:normAutofit/>
+          </a:bodyPr>
+          <a:p>
+            <a:pPr>
+              <a:lnSpc>
+                <a:spcPct val="100000"/>
+              </a:lnSpc>
+            </a:pPr>
+            <a:r>
+              <a:rPr b="0" lang="de-AT" sz="1800" spc="-1" strike="noStrike">
+                <a:solidFill>
+                  <a:srgbClr val="ffffff"/>
+                </a:solidFill>
+                <a:latin typeface="Source Sans Pro Light"/>
+                <a:ea typeface="DejaVu Sans"/>
+              </a:rPr>
+              <a:t>DISTRIBUCIÓN DE PROBABILIDAD ACUMULADA DE UNA VARIABLE ALEATORIA DISCRETA</a:t>
+            </a:r>
+            <a:endParaRPr b="0" lang="es-MX" sz="1800" spc="-1" strike="noStrike">
+              <a:latin typeface="Arial"/>
+            </a:endParaRPr>
+          </a:p>
+        </p:txBody>
+      </p:sp>
+      <p:sp>
+        <p:nvSpPr>
+          <p:cNvPr id="273" name="CustomShape 2"/>
+          <p:cNvSpPr/>
+          <p:nvPr/>
+        </p:nvSpPr>
+        <p:spPr>
+          <a:xfrm>
+            <a:off x="540000" y="1121760"/>
+            <a:ext cx="8999640" cy="431280"/>
+          </a:xfrm>
+          <a:prstGeom prst="rect">
+            <a:avLst/>
+          </a:prstGeom>
+          <a:noFill/>
+          <a:ln w="0">
+            <a:noFill/>
+          </a:ln>
+        </p:spPr>
+        <p:style>
+          <a:lnRef idx="0"/>
+          <a:fillRef idx="0"/>
+          <a:effectRef idx="0"/>
+          <a:fontRef idx="minor"/>
+        </p:style>
+        <p:txBody>
+          <a:bodyPr lIns="90000" rIns="90000" tIns="45000" bIns="45000">
+            <a:noAutofit/>
+          </a:bodyPr>
+          <a:p>
+            <a:pPr>
+              <a:lnSpc>
+                <a:spcPct val="100000"/>
+              </a:lnSpc>
+            </a:pPr>
+            <a:r>
+              <a:rPr b="0" lang="es-MX" sz="1200" spc="-1" strike="noStrike">
+                <a:latin typeface="Arial"/>
+              </a:rPr>
+              <a:t>En el ejemplo anterior, el valor esperado se ubica en el centro de la distribución de los valores de X. Esto se debe a que la distribución de probabilidad de X es simétrica alrededor de la media.</a:t>
+            </a:r>
+            <a:endParaRPr b="0" lang="es-MX" sz="1200" spc="-1" strike="noStrike">
+              <a:latin typeface="Arial"/>
+            </a:endParaRPr>
+          </a:p>
+        </p:txBody>
+      </p:sp>
+      <p:sp>
+        <p:nvSpPr>
+          <p:cNvPr id="274" name="CustomShape 3"/>
+          <p:cNvSpPr/>
+          <p:nvPr/>
+        </p:nvSpPr>
+        <p:spPr>
+          <a:xfrm>
+            <a:off x="540000" y="1620000"/>
+            <a:ext cx="8999640" cy="601920"/>
+          </a:xfrm>
+          <a:prstGeom prst="rect">
+            <a:avLst/>
+          </a:prstGeom>
+          <a:noFill/>
+          <a:ln w="0">
+            <a:noFill/>
+          </a:ln>
+        </p:spPr>
+        <p:style>
+          <a:lnRef idx="0"/>
+          <a:fillRef idx="0"/>
+          <a:effectRef idx="0"/>
+          <a:fontRef idx="minor"/>
+        </p:style>
+        <p:txBody>
+          <a:bodyPr lIns="90000" rIns="90000" tIns="45000" bIns="45000">
+            <a:noAutofit/>
+          </a:bodyPr>
+          <a:p>
+            <a:pPr>
+              <a:lnSpc>
+                <a:spcPct val="100000"/>
+              </a:lnSpc>
+            </a:pPr>
+            <a:r>
+              <a:rPr b="0" lang="es-MX" sz="1800" spc="-1" strike="noStrike">
+                <a:latin typeface="Arial"/>
+              </a:rPr>
+              <a:t>DISTRIBUCIÓN DE PROBABILIDAD ACUMULADA DE UNA VARIABLE ALEATORIA DISCRETA</a:t>
+            </a:r>
+            <a:endParaRPr b="0" lang="es-MX" sz="1800" spc="-1" strike="noStrike">
+              <a:latin typeface="Arial"/>
+            </a:endParaRPr>
+          </a:p>
+        </p:txBody>
+      </p:sp>
+      <p:pic>
+        <p:nvPicPr>
+          <p:cNvPr id="275" name="" descr=""/>
+          <p:cNvPicPr/>
+          <p:nvPr/>
+        </p:nvPicPr>
+        <p:blipFill>
+          <a:blip r:embed="rId2"/>
+          <a:stretch/>
+        </p:blipFill>
+        <p:spPr>
+          <a:xfrm>
+            <a:off x="720000" y="2340000"/>
+            <a:ext cx="8075160" cy="3170520"/>
+          </a:xfrm>
+          <a:prstGeom prst="rect">
+            <a:avLst/>
+          </a:prstGeom>
+          <a:ln w="0">
+            <a:noFill/>
+          </a:ln>
+        </p:spPr>
+      </p:pic>
+    </p:spTree>
+  </p:cSld>
+  <mc:AlternateContent>
+    <mc:Choice Requires="p14">
+      <p:transition spd="slow" p14:dur="2000"/>
+    </mc:Choice>
+    <mc:Fallback>
+      <p:transition spd="slow"/>
+    </mc:Fallback>
+  </mc:AlternateContent>
+</p:sld>
+</file>
+
+<file path=ppt/slides/slide24.xml><?xml version="1.0" encoding="utf-8"?>
+<p:sld xmlns:a="http://schemas.openxmlformats.org/drawingml/2006/main" xmlns:p="http://schemas.openxmlformats.org/presentationml/2006/main" xmlns:r="http://schemas.openxmlformats.org/officeDocument/2006/relationships" xmlns:p14="http://schemas.microsoft.com/office/powerpoint/2010/main" xmlns:p15="http://schemas.microsoft.com/office/powerpoint/2012/main" xmlns:mc="http://schemas.openxmlformats.org/markup-compatibility/2006">
+  <p:cSld>
+    <p:bg>
+      <p:bgPr>
+        <a:blipFill rotWithShape="0">
+          <a:blip r:embed="rId1"/>
+          <a:stretch/>
+        </a:blipFill>
+      </p:bgPr>
+    </p:bg>
+    <p:spTree>
+      <p:nvGrpSpPr>
+        <p:cNvPr id="1" name=""/>
+        <p:cNvGrpSpPr/>
+        <p:nvPr/>
+      </p:nvGrpSpPr>
+      <p:grpSpPr>
+        <a:xfrm>
+          <a:off x="0" y="0"/>
+          <a:ext cx="0" cy="0"/>
+          <a:chOff x="0" y="0"/>
+          <a:chExt cx="0" cy="0"/>
+        </a:xfrm>
+      </p:grpSpPr>
+      <p:sp>
+        <p:nvSpPr>
+          <p:cNvPr id="276" name="CustomShape 1"/>
+          <p:cNvSpPr/>
+          <p:nvPr/>
+        </p:nvSpPr>
+        <p:spPr>
+          <a:xfrm>
+            <a:off x="502560" y="90360"/>
+            <a:ext cx="9069120" cy="945000"/>
+          </a:xfrm>
+          <a:prstGeom prst="rect">
+            <a:avLst/>
+          </a:prstGeom>
+          <a:noFill/>
+          <a:ln w="0">
+            <a:noFill/>
+          </a:ln>
+        </p:spPr>
+        <p:style>
+          <a:lnRef idx="0"/>
+          <a:fillRef idx="0"/>
+          <a:effectRef idx="0"/>
+          <a:fontRef idx="minor"/>
+        </p:style>
+        <p:txBody>
+          <a:bodyPr lIns="0" rIns="0" tIns="0" bIns="0" anchor="b">
+            <a:normAutofit/>
+          </a:bodyPr>
+          <a:p>
+            <a:pPr>
+              <a:lnSpc>
+                <a:spcPct val="100000"/>
+              </a:lnSpc>
+            </a:pPr>
+            <a:r>
+              <a:rPr b="0" lang="de-AT" sz="1800" spc="-1" strike="noStrike">
+                <a:solidFill>
+                  <a:srgbClr val="ffffff"/>
+                </a:solidFill>
+                <a:latin typeface="Source Sans Pro Light"/>
+                <a:ea typeface="DejaVu Sans"/>
+              </a:rPr>
+              <a:t>DISTRIBUCIÓN DE PROBABILIDAD ACUMULADA DE UNA VARIABLE ALEATORIA DISCRETA</a:t>
+            </a:r>
+            <a:endParaRPr b="0" lang="es-MX" sz="1800" spc="-1" strike="noStrike">
+              <a:latin typeface="Arial"/>
+            </a:endParaRPr>
+          </a:p>
+        </p:txBody>
+      </p:sp>
+      <p:pic>
+        <p:nvPicPr>
+          <p:cNvPr id="277" name="" descr=""/>
+          <p:cNvPicPr/>
+          <p:nvPr/>
+        </p:nvPicPr>
+        <p:blipFill>
+          <a:blip r:embed="rId2"/>
+          <a:stretch/>
+        </p:blipFill>
+        <p:spPr>
+          <a:xfrm>
+            <a:off x="1050480" y="1495800"/>
+            <a:ext cx="8065800" cy="2656080"/>
+          </a:xfrm>
+          <a:prstGeom prst="rect">
+            <a:avLst/>
+          </a:prstGeom>
+          <a:ln w="0">
+            <a:noFill/>
+          </a:ln>
+        </p:spPr>
+      </p:pic>
+    </p:spTree>
+  </p:cSld>
+  <mc:AlternateContent>
+    <mc:Choice Requires="p14">
+      <p:transition spd="slow" p14:dur="2000"/>
+    </mc:Choice>
+    <mc:Fallback>
+      <p:transition spd="slow"/>
+    </mc:Fallback>
+  </mc:AlternateContent>
+</p:sld>
+</file>
+
+<file path=ppt/slides/slide25.xml><?xml version="1.0" encoding="utf-8"?>
+<p:sld xmlns:a="http://schemas.openxmlformats.org/drawingml/2006/main" xmlns:p="http://schemas.openxmlformats.org/presentationml/2006/main" xmlns:r="http://schemas.openxmlformats.org/officeDocument/2006/relationships" xmlns:p14="http://schemas.microsoft.com/office/powerpoint/2010/main" xmlns:p15="http://schemas.microsoft.com/office/powerpoint/2012/main" xmlns:mc="http://schemas.openxmlformats.org/markup-compatibility/2006">
+  <p:cSld>
+    <p:bg>
+      <p:bgPr>
+        <a:blipFill rotWithShape="0">
+          <a:blip r:embed="rId1"/>
+          <a:stretch/>
+        </a:blipFill>
+      </p:bgPr>
+    </p:bg>
+    <p:spTree>
+      <p:nvGrpSpPr>
+        <p:cNvPr id="1" name=""/>
+        <p:cNvGrpSpPr/>
+        <p:nvPr/>
+      </p:nvGrpSpPr>
+      <p:grpSpPr>
+        <a:xfrm>
+          <a:off x="0" y="0"/>
+          <a:ext cx="0" cy="0"/>
+          <a:chOff x="0" y="0"/>
+          <a:chExt cx="0" cy="0"/>
+        </a:xfrm>
+      </p:grpSpPr>
+      <p:sp>
+        <p:nvSpPr>
+          <p:cNvPr id="278" name="CustomShape 1"/>
+          <p:cNvSpPr/>
+          <p:nvPr/>
+        </p:nvSpPr>
+        <p:spPr>
+          <a:xfrm>
+            <a:off x="502560" y="90360"/>
+            <a:ext cx="9069120" cy="945000"/>
+          </a:xfrm>
+          <a:prstGeom prst="rect">
+            <a:avLst/>
+          </a:prstGeom>
+          <a:noFill/>
+          <a:ln w="0">
+            <a:noFill/>
+          </a:ln>
+        </p:spPr>
+        <p:style>
+          <a:lnRef idx="0"/>
+          <a:fillRef idx="0"/>
+          <a:effectRef idx="0"/>
+          <a:fontRef idx="minor"/>
+        </p:style>
+        <p:txBody>
+          <a:bodyPr lIns="0" rIns="0" tIns="0" bIns="0" anchor="b">
+            <a:normAutofit/>
+          </a:bodyPr>
+          <a:p>
+            <a:pPr>
+              <a:lnSpc>
+                <a:spcPct val="100000"/>
+              </a:lnSpc>
+            </a:pPr>
+            <a:r>
+              <a:rPr b="0" lang="de-AT" sz="1800" spc="-1" strike="noStrike">
+                <a:solidFill>
+                  <a:srgbClr val="ffffff"/>
+                </a:solidFill>
+                <a:latin typeface="Source Sans Pro Light"/>
+                <a:ea typeface="DejaVu Sans"/>
+              </a:rPr>
+              <a:t>DISTRIBUCIÓN DE PROBABILIDAD ACUMULADA DE UNA VARIABLE ALEATORIA DISCRETA</a:t>
+            </a:r>
+            <a:endParaRPr b="0" lang="es-MX" sz="1800" spc="-1" strike="noStrike">
+              <a:latin typeface="Arial"/>
+            </a:endParaRPr>
+          </a:p>
+        </p:txBody>
+      </p:sp>
+      <p:pic>
+        <p:nvPicPr>
+          <p:cNvPr id="279" name="" descr=""/>
+          <p:cNvPicPr/>
+          <p:nvPr/>
+        </p:nvPicPr>
+        <p:blipFill>
+          <a:blip r:embed="rId2"/>
+          <a:stretch/>
+        </p:blipFill>
+        <p:spPr>
+          <a:xfrm>
+            <a:off x="1059840" y="1400400"/>
+            <a:ext cx="8046720" cy="3999240"/>
+          </a:xfrm>
+          <a:prstGeom prst="rect">
+            <a:avLst/>
+          </a:prstGeom>
+          <a:ln w="0">
+            <a:noFill/>
+          </a:ln>
+        </p:spPr>
+      </p:pic>
+    </p:spTree>
+  </p:cSld>
+  <mc:AlternateContent>
+    <mc:Choice Requires="p14">
+      <p:transition spd="slow" p14:dur="2000"/>
+    </mc:Choice>
+    <mc:Fallback>
+      <p:transition spd="slow"/>
+    </mc:Fallback>
+  </mc:AlternateContent>
+</p:sld>
+</file>
+
+<file path=ppt/slides/slide26.xml><?xml version="1.0" encoding="utf-8"?>
+<p:sld xmlns:a="http://schemas.openxmlformats.org/drawingml/2006/main" xmlns:p="http://schemas.openxmlformats.org/presentationml/2006/main" xmlns:r="http://schemas.openxmlformats.org/officeDocument/2006/relationships" xmlns:p14="http://schemas.microsoft.com/office/powerpoint/2010/main" xmlns:p15="http://schemas.microsoft.com/office/powerpoint/2012/main" xmlns:mc="http://schemas.openxmlformats.org/markup-compatibility/2006">
+  <p:cSld>
+    <p:bg>
+      <p:bgPr>
+        <a:blipFill rotWithShape="0">
+          <a:blip r:embed="rId1"/>
+          <a:stretch/>
+        </a:blipFill>
+      </p:bgPr>
+    </p:bg>
+    <p:spTree>
+      <p:nvGrpSpPr>
+        <p:cNvPr id="1" name=""/>
+        <p:cNvGrpSpPr/>
+        <p:nvPr/>
+      </p:nvGrpSpPr>
+      <p:grpSpPr>
+        <a:xfrm>
+          <a:off x="0" y="0"/>
+          <a:ext cx="0" cy="0"/>
+          <a:chOff x="0" y="0"/>
+          <a:chExt cx="0" cy="0"/>
+        </a:xfrm>
+      </p:grpSpPr>
+      <p:sp>
+        <p:nvSpPr>
+          <p:cNvPr id="280" name="CustomShape 1"/>
+          <p:cNvSpPr/>
+          <p:nvPr/>
+        </p:nvSpPr>
+        <p:spPr>
+          <a:xfrm>
+            <a:off x="502560" y="90360"/>
+            <a:ext cx="9069120" cy="945000"/>
+          </a:xfrm>
+          <a:prstGeom prst="rect">
+            <a:avLst/>
+          </a:prstGeom>
+          <a:noFill/>
+          <a:ln w="0">
+            <a:noFill/>
+          </a:ln>
+        </p:spPr>
+        <p:style>
+          <a:lnRef idx="0"/>
+          <a:fillRef idx="0"/>
+          <a:effectRef idx="0"/>
+          <a:fontRef idx="minor"/>
+        </p:style>
+        <p:txBody>
+          <a:bodyPr lIns="0" rIns="0" tIns="0" bIns="0" anchor="b">
+            <a:normAutofit/>
+          </a:bodyPr>
+          <a:p>
+            <a:pPr>
+              <a:lnSpc>
+                <a:spcPct val="100000"/>
+              </a:lnSpc>
+            </a:pPr>
+            <a:r>
+              <a:rPr b="0" lang="de-AT" sz="1800" spc="-1" strike="noStrike">
+                <a:solidFill>
+                  <a:srgbClr val="ffffff"/>
+                </a:solidFill>
+                <a:latin typeface="Source Sans Pro Light"/>
+                <a:ea typeface="DejaVu Sans"/>
+              </a:rPr>
+              <a:t>DISTRIBUCIÓN DE PROBABILIDAD ACUMULADA DE UNA VARIABLE ALEATORIA DISCRETA</a:t>
+            </a:r>
+            <a:endParaRPr b="0" lang="es-MX" sz="1800" spc="-1" strike="noStrike">
+              <a:latin typeface="Arial"/>
+            </a:endParaRPr>
+          </a:p>
+        </p:txBody>
+      </p:sp>
+      <p:pic>
+        <p:nvPicPr>
+          <p:cNvPr id="281" name="" descr=""/>
+          <p:cNvPicPr/>
+          <p:nvPr/>
+        </p:nvPicPr>
+        <p:blipFill>
+          <a:blip r:embed="rId2"/>
+          <a:stretch/>
+        </p:blipFill>
+        <p:spPr>
+          <a:xfrm>
+            <a:off x="1080000" y="1260000"/>
+            <a:ext cx="8075160" cy="4265640"/>
+          </a:xfrm>
+          <a:prstGeom prst="rect">
+            <a:avLst/>
+          </a:prstGeom>
+          <a:ln w="0">
+            <a:noFill/>
+          </a:ln>
+        </p:spPr>
+      </p:pic>
+    </p:spTree>
+  </p:cSld>
+  <mc:AlternateContent>
+    <mc:Choice Requires="p14">
+      <p:transition spd="slow" p14:dur="2000"/>
+    </mc:Choice>
+    <mc:Fallback>
+      <p:transition spd="slow"/>
+    </mc:Fallback>
+  </mc:AlternateContent>
+</p:sld>
+</file>
+
+<file path=ppt/slides/slide27.xml><?xml version="1.0" encoding="utf-8"?>
+<p:sld xmlns:a="http://schemas.openxmlformats.org/drawingml/2006/main" xmlns:p="http://schemas.openxmlformats.org/presentationml/2006/main" xmlns:r="http://schemas.openxmlformats.org/officeDocument/2006/relationships" xmlns:p14="http://schemas.microsoft.com/office/powerpoint/2010/main" xmlns:p15="http://schemas.microsoft.com/office/powerpoint/2012/main" xmlns:mc="http://schemas.openxmlformats.org/markup-compatibility/2006">
+  <p:cSld>
+    <p:bg>
+      <p:bgPr>
+        <a:blipFill rotWithShape="0">
+          <a:blip r:embed="rId1"/>
+          <a:stretch/>
+        </a:blipFill>
+      </p:bgPr>
+    </p:bg>
+    <p:spTree>
+      <p:nvGrpSpPr>
+        <p:cNvPr id="1" name=""/>
+        <p:cNvGrpSpPr/>
+        <p:nvPr/>
+      </p:nvGrpSpPr>
+      <p:grpSpPr>
+        <a:xfrm>
+          <a:off x="0" y="0"/>
+          <a:ext cx="0" cy="0"/>
+          <a:chOff x="0" y="0"/>
+          <a:chExt cx="0" cy="0"/>
+        </a:xfrm>
+      </p:grpSpPr>
+      <p:sp>
+        <p:nvSpPr>
+          <p:cNvPr id="282" name="CustomShape 1"/>
+          <p:cNvSpPr/>
+          <p:nvPr/>
+        </p:nvSpPr>
+        <p:spPr>
+          <a:xfrm>
+            <a:off x="502560" y="90360"/>
+            <a:ext cx="9069120" cy="945000"/>
+          </a:xfrm>
+          <a:prstGeom prst="rect">
+            <a:avLst/>
+          </a:prstGeom>
+          <a:noFill/>
+          <a:ln w="0">
+            <a:noFill/>
+          </a:ln>
+        </p:spPr>
+        <p:style>
+          <a:lnRef idx="0"/>
+          <a:fillRef idx="0"/>
+          <a:effectRef idx="0"/>
+          <a:fontRef idx="minor"/>
+        </p:style>
+        <p:txBody>
+          <a:bodyPr lIns="0" rIns="0" tIns="0" bIns="0" anchor="b">
+            <a:normAutofit/>
+          </a:bodyPr>
+          <a:p>
+            <a:pPr>
+              <a:lnSpc>
+                <a:spcPct val="100000"/>
+              </a:lnSpc>
+            </a:pPr>
+            <a:r>
+              <a:rPr b="0" lang="de-AT" sz="1800" spc="-1" strike="noStrike">
+                <a:solidFill>
+                  <a:srgbClr val="ffffff"/>
+                </a:solidFill>
+                <a:latin typeface="Source Sans Pro Light"/>
+                <a:ea typeface="DejaVu Sans"/>
+              </a:rPr>
+              <a:t>DISTRIBUCIÓN DE PROBABILIDAD ACUMULADA DE UNA VARIABLE ALEATORIA DISCRETA</a:t>
+            </a:r>
+            <a:endParaRPr b="0" lang="es-MX" sz="1800" spc="-1" strike="noStrike">
+              <a:latin typeface="Arial"/>
+            </a:endParaRPr>
+          </a:p>
+        </p:txBody>
+      </p:sp>
+      <p:pic>
+        <p:nvPicPr>
+          <p:cNvPr id="283" name="" descr=""/>
+          <p:cNvPicPr/>
+          <p:nvPr/>
+        </p:nvPicPr>
+        <p:blipFill>
+          <a:blip r:embed="rId2"/>
+          <a:stretch/>
+        </p:blipFill>
+        <p:spPr>
+          <a:xfrm>
+            <a:off x="1045800" y="1146960"/>
+            <a:ext cx="8075160" cy="4218120"/>
+          </a:xfrm>
+          <a:prstGeom prst="rect">
+            <a:avLst/>
+          </a:prstGeom>
+          <a:ln w="0">
+            <a:noFill/>
+          </a:ln>
+        </p:spPr>
+      </p:pic>
+    </p:spTree>
+  </p:cSld>
+  <mc:AlternateContent>
+    <mc:Choice Requires="p14">
+      <p:transition spd="slow" p14:dur="2000"/>
+    </mc:Choice>
+    <mc:Fallback>
+      <p:transition spd="slow"/>
+    </mc:Fallback>
+  </mc:AlternateContent>
+</p:sld>
+</file>
+
+<file path=ppt/slides/slide28.xml><?xml version="1.0" encoding="utf-8"?>
+<p:sld xmlns:a="http://schemas.openxmlformats.org/drawingml/2006/main" xmlns:p="http://schemas.openxmlformats.org/presentationml/2006/main" xmlns:r="http://schemas.openxmlformats.org/officeDocument/2006/relationships" xmlns:p14="http://schemas.microsoft.com/office/powerpoint/2010/main" xmlns:p15="http://schemas.microsoft.com/office/powerpoint/2012/main" xmlns:mc="http://schemas.openxmlformats.org/markup-compatibility/2006">
+  <p:cSld>
+    <p:spTree>
+      <p:nvGrpSpPr>
+        <p:cNvPr id="1" name=""/>
+        <p:cNvGrpSpPr/>
+        <p:nvPr/>
+      </p:nvGrpSpPr>
+      <p:grpSpPr>
+        <a:xfrm>
+          <a:off x="0" y="0"/>
+          <a:ext cx="0" cy="0"/>
+          <a:chOff x="0" y="0"/>
+          <a:chExt cx="0" cy="0"/>
+        </a:xfrm>
+      </p:grpSpPr>
+      <p:sp>
+        <p:nvSpPr>
+          <p:cNvPr id="284" name="CustomShape 1"/>
+          <p:cNvSpPr/>
+          <p:nvPr/>
+        </p:nvSpPr>
+        <p:spPr>
+          <a:xfrm>
             <a:off x="359640" y="359640"/>
-            <a:ext cx="9210600" cy="2902680"/>
+            <a:ext cx="9209880" cy="2901960"/>
           </a:xfrm>
           <a:prstGeom prst="rect">
             <a:avLst/>
@@ -10806,7 +11694,7 @@
         <p:spPr>
           <a:xfrm>
             <a:off x="502560" y="90360"/>
-            <a:ext cx="9069840" cy="945720"/>
+            <a:ext cx="9069120" cy="945000"/>
           </a:xfrm>
           <a:prstGeom prst="rect">
             <a:avLst/>
@@ -10857,7 +11745,7 @@
         <p:spPr>
           <a:xfrm>
             <a:off x="361440" y="1620000"/>
-            <a:ext cx="8278560" cy="1113480"/>
+            <a:ext cx="8277840" cy="1112760"/>
           </a:xfrm>
           <a:prstGeom prst="rect">
             <a:avLst/>
@@ -10972,7 +11860,7 @@
         <p:spPr>
           <a:xfrm>
             <a:off x="731160" y="2905560"/>
-            <a:ext cx="8113680" cy="2275560"/>
+            <a:ext cx="8112960" cy="2274840"/>
           </a:xfrm>
           <a:prstGeom prst="rect">
             <a:avLst/>
@@ -10984,14 +11872,14 @@
       </p:pic>
       <p:sp>
         <p:nvSpPr>
-          <p:cNvPr id="205" name="TextShape 3"/>
-          <p:cNvSpPr txBox="1"/>
+          <p:cNvPr id="205" name="CustomShape 3"/>
+          <p:cNvSpPr/>
           <p:nvPr/>
         </p:nvSpPr>
         <p:spPr>
           <a:xfrm>
             <a:off x="374040" y="1304280"/>
-            <a:ext cx="8100000" cy="346320"/>
+            <a:ext cx="8099280" cy="345600"/>
           </a:xfrm>
           <a:prstGeom prst="rect">
             <a:avLst/>
@@ -11001,18 +11889,33 @@
             <a:noFill/>
           </a:ln>
         </p:spPr>
+        <p:style>
+          <a:lnRef idx="0"/>
+          <a:fillRef idx="0"/>
+          <a:effectRef idx="0"/>
+          <a:fontRef idx="minor"/>
+        </p:style>
         <p:txBody>
           <a:bodyPr lIns="90000" rIns="90000" tIns="45000" bIns="45000">
             <a:noAutofit/>
           </a:bodyPr>
           <a:p>
+            <a:pPr>
+              <a:lnSpc>
+                <a:spcPct val="100000"/>
+              </a:lnSpc>
+            </a:pPr>
             <a:r>
               <a:rPr b="1" lang="es-MX" sz="1800" spc="-1" strike="noStrike">
+                <a:solidFill>
+                  <a:srgbClr val="000000"/>
+                </a:solidFill>
                 <a:latin typeface="Arial"/>
+                <a:ea typeface="DejaVu Sans"/>
               </a:rPr>
               <a:t>Definición [Espacio muestral]</a:t>
             </a:r>
-            <a:endParaRPr b="1" lang="es-MX" sz="1800" spc="-1" strike="noStrike">
+            <a:endParaRPr b="0" lang="es-MX" sz="1800" spc="-1" strike="noStrike">
               <a:latin typeface="Arial"/>
             </a:endParaRPr>
           </a:p>
@@ -11057,7 +11960,7 @@
         <p:spPr>
           <a:xfrm>
             <a:off x="502560" y="90360"/>
-            <a:ext cx="9069840" cy="945720"/>
+            <a:ext cx="9069120" cy="945000"/>
           </a:xfrm>
           <a:prstGeom prst="rect">
             <a:avLst/>
@@ -11108,7 +12011,7 @@
         <p:spPr>
           <a:xfrm>
             <a:off x="539640" y="1094400"/>
-            <a:ext cx="8998560" cy="345600"/>
+            <a:ext cx="8997840" cy="344880"/>
           </a:xfrm>
           <a:prstGeom prst="rect">
             <a:avLst/>
@@ -11163,7 +12066,7 @@
         <p:spPr>
           <a:xfrm>
             <a:off x="535680" y="1490040"/>
-            <a:ext cx="8104320" cy="3189960"/>
+            <a:ext cx="8103600" cy="3189240"/>
           </a:xfrm>
           <a:prstGeom prst="rect">
             <a:avLst/>
@@ -11212,7 +12115,7 @@
         <p:spPr>
           <a:xfrm>
             <a:off x="502560" y="90360"/>
-            <a:ext cx="9069840" cy="945720"/>
+            <a:ext cx="9069120" cy="945000"/>
           </a:xfrm>
           <a:prstGeom prst="rect">
             <a:avLst/>
@@ -11268,7 +12171,7 @@
         <p:spPr>
           <a:xfrm>
             <a:off x="765000" y="3600000"/>
-            <a:ext cx="8462160" cy="1619640"/>
+            <a:ext cx="8461440" cy="1618920"/>
           </a:xfrm>
           <a:prstGeom prst="rect">
             <a:avLst/>
@@ -11280,14 +12183,14 @@
       </p:pic>
       <p:sp>
         <p:nvSpPr>
-          <p:cNvPr id="211" name="TextShape 2"/>
-          <p:cNvSpPr txBox="1"/>
+          <p:cNvPr id="211" name="CustomShape 2"/>
+          <p:cNvSpPr/>
           <p:nvPr/>
         </p:nvSpPr>
         <p:spPr>
           <a:xfrm>
             <a:off x="778320" y="3187080"/>
-            <a:ext cx="8460000" cy="346320"/>
+            <a:ext cx="8459280" cy="345600"/>
           </a:xfrm>
           <a:prstGeom prst="rect">
             <a:avLst/>
@@ -11297,18 +12200,33 @@
             <a:noFill/>
           </a:ln>
         </p:spPr>
+        <p:style>
+          <a:lnRef idx="0"/>
+          <a:fillRef idx="0"/>
+          <a:effectRef idx="0"/>
+          <a:fontRef idx="minor"/>
+        </p:style>
         <p:txBody>
           <a:bodyPr lIns="90000" rIns="90000" tIns="45000" bIns="45000">
             <a:noAutofit/>
           </a:bodyPr>
           <a:p>
+            <a:pPr>
+              <a:lnSpc>
+                <a:spcPct val="100000"/>
+              </a:lnSpc>
+            </a:pPr>
             <a:r>
               <a:rPr b="1" lang="es-MX" sz="1800" spc="-1" strike="noStrike">
+                <a:solidFill>
+                  <a:srgbClr val="000000"/>
+                </a:solidFill>
                 <a:latin typeface="Arial"/>
+                <a:ea typeface="DejaVu Sans"/>
               </a:rPr>
               <a:t>Definición [Variable aleatoria discreta real valuada]</a:t>
             </a:r>
-            <a:endParaRPr b="1" lang="es-MX" sz="1800" spc="-1" strike="noStrike">
+            <a:endParaRPr b="0" lang="es-MX" sz="1800" spc="-1" strike="noStrike">
               <a:latin typeface="Arial"/>
             </a:endParaRPr>
           </a:p>
@@ -11327,7 +12245,7 @@
         <p:spPr>
           <a:xfrm>
             <a:off x="1080000" y="1749240"/>
-            <a:ext cx="8075520" cy="770760"/>
+            <a:ext cx="8074800" cy="770040"/>
           </a:xfrm>
           <a:prstGeom prst="rect">
             <a:avLst/>
@@ -11339,14 +12257,14 @@
       </p:pic>
       <p:sp>
         <p:nvSpPr>
-          <p:cNvPr id="213" name="TextShape 3"/>
-          <p:cNvSpPr txBox="1"/>
+          <p:cNvPr id="213" name="CustomShape 3"/>
+          <p:cNvSpPr/>
           <p:nvPr/>
         </p:nvSpPr>
         <p:spPr>
           <a:xfrm>
             <a:off x="742320" y="1295640"/>
-            <a:ext cx="8100000" cy="346320"/>
+            <a:ext cx="8099280" cy="345600"/>
           </a:xfrm>
           <a:prstGeom prst="rect">
             <a:avLst/>
@@ -11356,18 +12274,33 @@
             <a:noFill/>
           </a:ln>
         </p:spPr>
+        <p:style>
+          <a:lnRef idx="0"/>
+          <a:fillRef idx="0"/>
+          <a:effectRef idx="0"/>
+          <a:fontRef idx="minor"/>
+        </p:style>
         <p:txBody>
           <a:bodyPr lIns="90000" rIns="90000" tIns="45000" bIns="45000">
             <a:noAutofit/>
           </a:bodyPr>
           <a:p>
+            <a:pPr>
+              <a:lnSpc>
+                <a:spcPct val="100000"/>
+              </a:lnSpc>
+            </a:pPr>
             <a:r>
               <a:rPr b="1" lang="es-MX" sz="1800" spc="-1" strike="noStrike">
+                <a:solidFill>
+                  <a:srgbClr val="000000"/>
+                </a:solidFill>
                 <a:latin typeface="Arial"/>
+                <a:ea typeface="DejaVu Sans"/>
               </a:rPr>
               <a:t>Definición [Espacio de probabilidad]</a:t>
             </a:r>
-            <a:endParaRPr b="1" lang="es-MX" sz="1800" spc="-1" strike="noStrike">
+            <a:endParaRPr b="0" lang="es-MX" sz="1800" spc="-1" strike="noStrike">
               <a:latin typeface="Arial"/>
             </a:endParaRPr>
           </a:p>
@@ -11420,7 +12353,7 @@
         <p:spPr>
           <a:xfrm>
             <a:off x="502560" y="90360"/>
-            <a:ext cx="9069840" cy="945720"/>
+            <a:ext cx="9069120" cy="945000"/>
           </a:xfrm>
           <a:prstGeom prst="rect">
             <a:avLst/>
@@ -11471,7 +12404,7 @@
         <p:spPr>
           <a:xfrm>
             <a:off x="359640" y="1259640"/>
-            <a:ext cx="8998200" cy="1259280"/>
+            <a:ext cx="8997480" cy="1258560"/>
           </a:xfrm>
           <a:prstGeom prst="rect">
             <a:avLst/>
@@ -11606,7 +12539,7 @@
         <p:spPr>
           <a:xfrm>
             <a:off x="359640" y="2519640"/>
-            <a:ext cx="8462160" cy="3058920"/>
+            <a:ext cx="8461440" cy="3058200"/>
           </a:xfrm>
           <a:prstGeom prst="rect">
             <a:avLst/>
@@ -11663,7 +12596,7 @@
         <p:spPr>
           <a:xfrm>
             <a:off x="502560" y="90360"/>
-            <a:ext cx="9069840" cy="945720"/>
+            <a:ext cx="9069120" cy="945000"/>
           </a:xfrm>
           <a:prstGeom prst="rect">
             <a:avLst/>
@@ -11713,7 +12646,7 @@
         </p:nvGraphicFramePr>
         <p:xfrm>
           <a:off x="2023560" y="2307240"/>
-          <a:ext cx="6118200" cy="1077120"/>
+          <a:ext cx="6117480" cy="1076400"/>
         </p:xfrm>
         <a:graphic>
           <a:graphicData uri="http://schemas.openxmlformats.org/presentationml/2006/ole">
@@ -11732,7 +12665,7 @@
                 <p:spPr>
                   <a:xfrm>
                     <a:off x="2023560" y="2307240"/>
-                    <a:ext cx="6118200" cy="1077120"/>
+                    <a:ext cx="6117480" cy="1076400"/>
                   </a:xfrm>
                   <a:prstGeom prst="rect">
                     <a:avLst/>
@@ -11754,7 +12687,7 @@
         </p:nvGraphicFramePr>
         <p:xfrm>
           <a:off x="2023560" y="2307240"/>
-          <a:ext cx="6118200" cy="1077120"/>
+          <a:ext cx="6117480" cy="1076400"/>
         </p:xfrm>
         <a:graphic>
           <a:graphicData uri="http://schemas.openxmlformats.org/presentationml/2006/ole">
@@ -11773,7 +12706,7 @@
                 <p:spPr>
                   <a:xfrm>
                     <a:off x="2023560" y="2307240"/>
-                    <a:ext cx="6118200" cy="1077120"/>
+                    <a:ext cx="6117480" cy="1076400"/>
                   </a:xfrm>
                   <a:prstGeom prst="rect">
                     <a:avLst/>
@@ -11795,7 +12728,7 @@
         </p:nvGraphicFramePr>
         <p:xfrm>
           <a:off x="2023560" y="2307240"/>
-          <a:ext cx="6118200" cy="1077120"/>
+          <a:ext cx="6117480" cy="1076400"/>
         </p:xfrm>
         <a:graphic>
           <a:graphicData uri="http://schemas.openxmlformats.org/presentationml/2006/ole">
@@ -11814,7 +12747,7 @@
                 <p:spPr>
                   <a:xfrm>
                     <a:off x="2023560" y="2307240"/>
-                    <a:ext cx="6118200" cy="1077120"/>
+                    <a:ext cx="6117480" cy="1076400"/>
                   </a:xfrm>
                   <a:prstGeom prst="rect">
                     <a:avLst/>
@@ -11836,7 +12769,7 @@
         </p:nvGraphicFramePr>
         <p:xfrm>
           <a:off x="720360" y="1439640"/>
-          <a:ext cx="6118200" cy="1077120"/>
+          <a:ext cx="6117480" cy="1076400"/>
         </p:xfrm>
         <a:graphic>
           <a:graphicData uri="http://schemas.openxmlformats.org/presentationml/2006/ole">
@@ -11855,7 +12788,7 @@
                 <p:spPr>
                   <a:xfrm>
                     <a:off x="720360" y="1439640"/>
-                    <a:ext cx="6118200" cy="1077120"/>
+                    <a:ext cx="6117480" cy="1076400"/>
                   </a:xfrm>
                   <a:prstGeom prst="rect">
                     <a:avLst/>
@@ -11882,7 +12815,7 @@
         <p:spPr>
           <a:xfrm>
             <a:off x="259920" y="1417320"/>
-            <a:ext cx="9324000" cy="1978920"/>
+            <a:ext cx="9323280" cy="1978200"/>
           </a:xfrm>
           <a:prstGeom prst="rect">
             <a:avLst/>
@@ -11939,7 +12872,7 @@
         <p:spPr>
           <a:xfrm>
             <a:off x="502560" y="90360"/>
-            <a:ext cx="9069840" cy="945720"/>
+            <a:ext cx="9069120" cy="945000"/>
           </a:xfrm>
           <a:prstGeom prst="rect">
             <a:avLst/>
@@ -11990,7 +12923,7 @@
         <p:spPr>
           <a:xfrm>
             <a:off x="539640" y="1259640"/>
-            <a:ext cx="8818560" cy="345600"/>
+            <a:ext cx="8817840" cy="344880"/>
           </a:xfrm>
           <a:prstGeom prst="rect">
             <a:avLst/>
@@ -12045,7 +12978,7 @@
         <p:spPr>
           <a:xfrm>
             <a:off x="2300040" y="1605600"/>
-            <a:ext cx="5798880" cy="399240"/>
+            <a:ext cx="5798160" cy="398520"/>
           </a:xfrm>
           <a:prstGeom prst="rect">
             <a:avLst/>
@@ -12068,7 +13001,7 @@
         <p:spPr>
           <a:xfrm>
             <a:off x="711720" y="2363040"/>
-            <a:ext cx="8826840" cy="1056240"/>
+            <a:ext cx="8826120" cy="1055520"/>
           </a:xfrm>
           <a:prstGeom prst="rect">
             <a:avLst/>
@@ -12087,7 +13020,7 @@
         <p:spPr>
           <a:xfrm>
             <a:off x="719640" y="2159640"/>
-            <a:ext cx="7019280" cy="539640"/>
+            <a:ext cx="7018560" cy="538920"/>
           </a:xfrm>
           <a:prstGeom prst="rect">
             <a:avLst/>
@@ -12117,7 +13050,7 @@
         <p:spPr>
           <a:xfrm>
             <a:off x="3419640" y="3059280"/>
-            <a:ext cx="6119280" cy="359640"/>
+            <a:ext cx="6118560" cy="358920"/>
           </a:xfrm>
           <a:prstGeom prst="rect">
             <a:avLst/>
@@ -12185,7 +13118,7 @@
         <p:spPr>
           <a:xfrm>
             <a:off x="502560" y="90360"/>
-            <a:ext cx="9069840" cy="945720"/>
+            <a:ext cx="9069120" cy="945000"/>
           </a:xfrm>
           <a:prstGeom prst="rect">
             <a:avLst/>
@@ -12236,7 +13169,7 @@
         <p:spPr>
           <a:xfrm>
             <a:off x="539640" y="1259640"/>
-            <a:ext cx="8818560" cy="2648880"/>
+            <a:ext cx="8817840" cy="2648160"/>
           </a:xfrm>
           <a:prstGeom prst="rect">
             <a:avLst/>
@@ -12431,7 +13364,7 @@
         <p:spPr>
           <a:xfrm>
             <a:off x="4139640" y="2304000"/>
-            <a:ext cx="1084680" cy="360720"/>
+            <a:ext cx="1083960" cy="360000"/>
           </a:xfrm>
           <a:prstGeom prst="rect">
             <a:avLst/>
@@ -12454,7 +13387,7 @@
         <p:spPr>
           <a:xfrm>
             <a:off x="3765600" y="3138120"/>
-            <a:ext cx="2342160" cy="360720"/>
+            <a:ext cx="2341440" cy="360000"/>
           </a:xfrm>
           <a:prstGeom prst="rect">
             <a:avLst/>
@@ -12477,7 +13410,7 @@
         <p:spPr>
           <a:xfrm>
             <a:off x="3599640" y="1619640"/>
-            <a:ext cx="3122640" cy="713520"/>
+            <a:ext cx="3121920" cy="712800"/>
           </a:xfrm>
           <a:prstGeom prst="rect">
             <a:avLst/>
@@ -12500,7 +13433,7 @@
         <p:spPr>
           <a:xfrm>
             <a:off x="4188240" y="2699640"/>
-            <a:ext cx="1789560" cy="599040"/>
+            <a:ext cx="1788840" cy="598320"/>
           </a:xfrm>
           <a:prstGeom prst="rect">
             <a:avLst/>
@@ -12523,7 +13456,7 @@
         <p:spPr>
           <a:xfrm>
             <a:off x="3239640" y="3599280"/>
-            <a:ext cx="3722400" cy="656280"/>
+            <a:ext cx="3721680" cy="655560"/>
           </a:xfrm>
           <a:prstGeom prst="rect">
             <a:avLst/>
@@ -12546,7 +13479,7 @@
         <p:spPr>
           <a:xfrm>
             <a:off x="4139640" y="4562640"/>
-            <a:ext cx="2151360" cy="656280"/>
+            <a:ext cx="2150640" cy="655560"/>
           </a:xfrm>
           <a:prstGeom prst="rect">
             <a:avLst/>
